--- a/Черновик Презентации.pptx
+++ b/Черновик Презентации.pptx
@@ -2,22 +2,22 @@
 <file path=ppt/presentation.xml><?xml version="1.0" encoding="utf-8"?>
 <p:presentation xmlns:a="http://schemas.openxmlformats.org/drawingml/2006/main" xmlns:r="http://schemas.openxmlformats.org/officeDocument/2006/relationships" xmlns:p="http://schemas.openxmlformats.org/presentationml/2006/main" saveSubsetFonts="1" autoCompressPictures="0">
   <p:sldMasterIdLst>
-    <p:sldMasterId id="2147483717" r:id="rId1"/>
+    <p:sldMasterId id="2147483717" r:id="rId4"/>
   </p:sldMasterIdLst>
   <p:notesMasterIdLst>
-    <p:notesMasterId r:id="rId9"/>
+    <p:notesMasterId r:id="rId12"/>
   </p:notesMasterIdLst>
   <p:handoutMasterIdLst>
-    <p:handoutMasterId r:id="rId10"/>
+    <p:handoutMasterId r:id="rId13"/>
   </p:handoutMasterIdLst>
   <p:sldIdLst>
-    <p:sldId id="349" r:id="rId2"/>
-    <p:sldId id="333" r:id="rId3"/>
-    <p:sldId id="265" r:id="rId4"/>
-    <p:sldId id="263" r:id="rId5"/>
-    <p:sldId id="342" r:id="rId6"/>
-    <p:sldId id="264" r:id="rId7"/>
-    <p:sldId id="285" r:id="rId8"/>
+    <p:sldId id="349" r:id="rId5"/>
+    <p:sldId id="333" r:id="rId6"/>
+    <p:sldId id="265" r:id="rId7"/>
+    <p:sldId id="263" r:id="rId8"/>
+    <p:sldId id="342" r:id="rId9"/>
+    <p:sldId id="264" r:id="rId10"/>
+    <p:sldId id="285" r:id="rId11"/>
   </p:sldIdLst>
   <p:sldSz cx="12192000" cy="6858000"/>
   <p:notesSz cx="6858000" cy="9144000"/>
@@ -640,514 +640,6 @@
 </c:chartSpace>
 </file>
 
-<file path=ppt/charts/chart2.xml><?xml version="1.0" encoding="utf-8"?>
-<c:chartSpace xmlns:c="http://schemas.openxmlformats.org/drawingml/2006/chart" xmlns:a="http://schemas.openxmlformats.org/drawingml/2006/main" xmlns:r="http://schemas.openxmlformats.org/officeDocument/2006/relationships" xmlns:c16r2="http://schemas.microsoft.com/office/drawing/2015/06/chart">
-  <c:date1904 val="0"/>
-  <c:lang val="ru-RU"/>
-  <c:roundedCorners val="0"/>
-  <mc:AlternateContent xmlns:mc="http://schemas.openxmlformats.org/markup-compatibility/2006">
-    <mc:Choice xmlns:c14="http://schemas.microsoft.com/office/drawing/2007/8/2/chart" Requires="c14">
-      <c14:style val="102"/>
-    </mc:Choice>
-    <mc:Fallback>
-      <c:style val="2"/>
-    </mc:Fallback>
-  </mc:AlternateContent>
-  <c:chart>
-    <c:title>
-      <c:overlay val="0"/>
-      <c:spPr>
-        <a:noFill/>
-        <a:ln>
-          <a:noFill/>
-        </a:ln>
-        <a:effectLst/>
-      </c:spPr>
-      <c:txPr>
-        <a:bodyPr rot="0" spcFirstLastPara="1" vertOverflow="ellipsis" vert="horz" wrap="square" anchor="ctr" anchorCtr="1"/>
-        <a:lstStyle/>
-        <a:p>
-          <a:pPr>
-            <a:defRPr lang="ru-RU" sz="1862" b="0" i="0" u="none" strike="noStrike" kern="1200" spc="0" baseline="0" noProof="0">
-              <a:solidFill>
-                <a:schemeClr val="tx1">
-                  <a:lumMod val="75000"/>
-                  <a:lumOff val="25000"/>
-                </a:schemeClr>
-              </a:solidFill>
-              <a:latin typeface="+mn-lt"/>
-              <a:ea typeface="+mn-ea"/>
-              <a:cs typeface="+mn-cs"/>
-            </a:defRPr>
-          </a:pPr>
-          <a:endParaRPr lang="ru-RU"/>
-        </a:p>
-      </c:txPr>
-    </c:title>
-    <c:autoTitleDeleted val="0"/>
-    <c:plotArea>
-      <c:layout/>
-      <c:lineChart>
-        <c:grouping val="stacked"/>
-        <c:varyColors val="0"/>
-        <c:ser>
-          <c:idx val="0"/>
-          <c:order val="0"/>
-          <c:tx>
-            <c:strRef>
-              <c:f>Sheet1!$B$1</c:f>
-              <c:strCache>
-                <c:ptCount val="1"/>
-                <c:pt idx="0">
-                  <c:v>Ряд 1</c:v>
-                </c:pt>
-              </c:strCache>
-            </c:strRef>
-          </c:tx>
-          <c:spPr>
-            <a:ln w="28575" cap="rnd">
-              <a:solidFill>
-                <a:schemeClr val="accent1"/>
-              </a:solidFill>
-              <a:round/>
-            </a:ln>
-            <a:effectLst/>
-          </c:spPr>
-          <c:marker>
-            <c:symbol val="circle"/>
-            <c:size val="5"/>
-            <c:spPr>
-              <a:solidFill>
-                <a:schemeClr val="accent1"/>
-              </a:solidFill>
-              <a:ln w="9525">
-                <a:solidFill>
-                  <a:schemeClr val="accent1"/>
-                </a:solidFill>
-              </a:ln>
-              <a:effectLst/>
-            </c:spPr>
-          </c:marker>
-          <c:cat>
-            <c:strRef>
-              <c:f>Sheet1!$A$2:$A$5</c:f>
-              <c:strCache>
-                <c:ptCount val="4"/>
-                <c:pt idx="0">
-                  <c:v>Категория 1</c:v>
-                </c:pt>
-                <c:pt idx="1">
-                  <c:v>Категория 2</c:v>
-                </c:pt>
-                <c:pt idx="2">
-                  <c:v>Категория 3</c:v>
-                </c:pt>
-                <c:pt idx="3">
-                  <c:v>Категория 4</c:v>
-                </c:pt>
-              </c:strCache>
-            </c:strRef>
-          </c:cat>
-          <c:val>
-            <c:numRef>
-              <c:f>Sheet1!$B$2:$B$5</c:f>
-              <c:numCache>
-                <c:formatCode>General</c:formatCode>
-                <c:ptCount val="4"/>
-                <c:pt idx="0">
-                  <c:v>4.3</c:v>
-                </c:pt>
-                <c:pt idx="1">
-                  <c:v>2.5</c:v>
-                </c:pt>
-                <c:pt idx="2">
-                  <c:v>3.5</c:v>
-                </c:pt>
-                <c:pt idx="3">
-                  <c:v>4.5</c:v>
-                </c:pt>
-              </c:numCache>
-            </c:numRef>
-          </c:val>
-          <c:smooth val="0"/>
-          <c:extLst>
-            <c:ext xmlns:c16="http://schemas.microsoft.com/office/drawing/2014/chart" uri="{C3380CC4-5D6E-409C-BE32-E72D297353CC}">
-              <c16:uniqueId val="{00000000-F0CC-403B-8AEF-370D78185368}"/>
-            </c:ext>
-          </c:extLst>
-        </c:ser>
-        <c:ser>
-          <c:idx val="1"/>
-          <c:order val="1"/>
-          <c:tx>
-            <c:strRef>
-              <c:f>Sheet1!$C$1</c:f>
-              <c:strCache>
-                <c:ptCount val="1"/>
-                <c:pt idx="0">
-                  <c:v>Ряд 2</c:v>
-                </c:pt>
-              </c:strCache>
-            </c:strRef>
-          </c:tx>
-          <c:spPr>
-            <a:ln w="28575" cap="rnd">
-              <a:solidFill>
-                <a:schemeClr val="accent2"/>
-              </a:solidFill>
-              <a:round/>
-            </a:ln>
-            <a:effectLst/>
-          </c:spPr>
-          <c:marker>
-            <c:symbol val="circle"/>
-            <c:size val="5"/>
-            <c:spPr>
-              <a:solidFill>
-                <a:schemeClr val="accent2"/>
-              </a:solidFill>
-              <a:ln w="9525">
-                <a:solidFill>
-                  <a:schemeClr val="accent2"/>
-                </a:solidFill>
-              </a:ln>
-              <a:effectLst/>
-            </c:spPr>
-          </c:marker>
-          <c:cat>
-            <c:strRef>
-              <c:f>Sheet1!$A$2:$A$5</c:f>
-              <c:strCache>
-                <c:ptCount val="4"/>
-                <c:pt idx="0">
-                  <c:v>Категория 1</c:v>
-                </c:pt>
-                <c:pt idx="1">
-                  <c:v>Категория 2</c:v>
-                </c:pt>
-                <c:pt idx="2">
-                  <c:v>Категория 3</c:v>
-                </c:pt>
-                <c:pt idx="3">
-                  <c:v>Категория 4</c:v>
-                </c:pt>
-              </c:strCache>
-            </c:strRef>
-          </c:cat>
-          <c:val>
-            <c:numRef>
-              <c:f>Sheet1!$C$2:$C$5</c:f>
-              <c:numCache>
-                <c:formatCode>General</c:formatCode>
-                <c:ptCount val="4"/>
-                <c:pt idx="0">
-                  <c:v>2.4</c:v>
-                </c:pt>
-                <c:pt idx="1">
-                  <c:v>4.4000000000000004</c:v>
-                </c:pt>
-                <c:pt idx="2">
-                  <c:v>1.8</c:v>
-                </c:pt>
-                <c:pt idx="3">
-                  <c:v>2.8</c:v>
-                </c:pt>
-              </c:numCache>
-            </c:numRef>
-          </c:val>
-          <c:smooth val="0"/>
-          <c:extLst>
-            <c:ext xmlns:c16="http://schemas.microsoft.com/office/drawing/2014/chart" uri="{C3380CC4-5D6E-409C-BE32-E72D297353CC}">
-              <c16:uniqueId val="{00000001-F0CC-403B-8AEF-370D78185368}"/>
-            </c:ext>
-          </c:extLst>
-        </c:ser>
-        <c:ser>
-          <c:idx val="2"/>
-          <c:order val="2"/>
-          <c:tx>
-            <c:strRef>
-              <c:f>Sheet1!$D$1</c:f>
-              <c:strCache>
-                <c:ptCount val="1"/>
-                <c:pt idx="0">
-                  <c:v>Ряд 3</c:v>
-                </c:pt>
-              </c:strCache>
-            </c:strRef>
-          </c:tx>
-          <c:spPr>
-            <a:ln w="28575" cap="rnd">
-              <a:solidFill>
-                <a:schemeClr val="accent3"/>
-              </a:solidFill>
-              <a:round/>
-            </a:ln>
-            <a:effectLst/>
-          </c:spPr>
-          <c:marker>
-            <c:symbol val="circle"/>
-            <c:size val="5"/>
-            <c:spPr>
-              <a:solidFill>
-                <a:schemeClr val="accent3"/>
-              </a:solidFill>
-              <a:ln w="9525">
-                <a:solidFill>
-                  <a:schemeClr val="accent3"/>
-                </a:solidFill>
-              </a:ln>
-              <a:effectLst/>
-            </c:spPr>
-          </c:marker>
-          <c:cat>
-            <c:strRef>
-              <c:f>Sheet1!$A$2:$A$5</c:f>
-              <c:strCache>
-                <c:ptCount val="4"/>
-                <c:pt idx="0">
-                  <c:v>Категория 1</c:v>
-                </c:pt>
-                <c:pt idx="1">
-                  <c:v>Категория 2</c:v>
-                </c:pt>
-                <c:pt idx="2">
-                  <c:v>Категория 3</c:v>
-                </c:pt>
-                <c:pt idx="3">
-                  <c:v>Категория 4</c:v>
-                </c:pt>
-              </c:strCache>
-            </c:strRef>
-          </c:cat>
-          <c:val>
-            <c:numRef>
-              <c:f>Sheet1!$D$2:$D$5</c:f>
-              <c:numCache>
-                <c:formatCode>General</c:formatCode>
-                <c:ptCount val="4"/>
-                <c:pt idx="0">
-                  <c:v>2</c:v>
-                </c:pt>
-                <c:pt idx="1">
-                  <c:v>2</c:v>
-                </c:pt>
-                <c:pt idx="2">
-                  <c:v>3</c:v>
-                </c:pt>
-                <c:pt idx="3">
-                  <c:v>5</c:v>
-                </c:pt>
-              </c:numCache>
-            </c:numRef>
-          </c:val>
-          <c:smooth val="0"/>
-          <c:extLst>
-            <c:ext xmlns:c16="http://schemas.microsoft.com/office/drawing/2014/chart" uri="{C3380CC4-5D6E-409C-BE32-E72D297353CC}">
-              <c16:uniqueId val="{00000002-F0CC-403B-8AEF-370D78185368}"/>
-            </c:ext>
-          </c:extLst>
-        </c:ser>
-        <c:dLbls>
-          <c:showLegendKey val="0"/>
-          <c:showVal val="0"/>
-          <c:showCatName val="0"/>
-          <c:showSerName val="0"/>
-          <c:showPercent val="0"/>
-          <c:showBubbleSize val="0"/>
-        </c:dLbls>
-        <c:marker val="1"/>
-        <c:smooth val="0"/>
-        <c:axId val="365893920"/>
-        <c:axId val="365894312"/>
-      </c:lineChart>
-      <c:catAx>
-        <c:axId val="365893920"/>
-        <c:scaling>
-          <c:orientation val="minMax"/>
-        </c:scaling>
-        <c:delete val="0"/>
-        <c:axPos val="b"/>
-        <c:numFmt formatCode="General" sourceLinked="1"/>
-        <c:majorTickMark val="none"/>
-        <c:minorTickMark val="none"/>
-        <c:tickLblPos val="nextTo"/>
-        <c:spPr>
-          <a:noFill/>
-          <a:ln w="9525" cap="flat" cmpd="sng" algn="ctr">
-            <a:solidFill>
-              <a:schemeClr val="tx1">
-                <a:lumMod val="15000"/>
-                <a:lumOff val="85000"/>
-              </a:schemeClr>
-            </a:solidFill>
-            <a:round/>
-          </a:ln>
-          <a:effectLst/>
-        </c:spPr>
-        <c:txPr>
-          <a:bodyPr rot="-60000000" spcFirstLastPara="1" vertOverflow="ellipsis" vert="horz" wrap="square" anchor="ctr" anchorCtr="1"/>
-          <a:lstStyle/>
-          <a:p>
-            <a:pPr>
-              <a:defRPr lang="ru-RU" sz="1197" b="0" i="0" u="none" strike="noStrike" kern="1200" baseline="0" noProof="0">
-                <a:solidFill>
-                  <a:schemeClr val="tx1">
-                    <a:lumMod val="75000"/>
-                    <a:lumOff val="25000"/>
-                  </a:schemeClr>
-                </a:solidFill>
-                <a:latin typeface="+mn-lt"/>
-                <a:ea typeface="+mn-ea"/>
-                <a:cs typeface="+mn-cs"/>
-              </a:defRPr>
-            </a:pPr>
-            <a:endParaRPr lang="ru-RU"/>
-          </a:p>
-        </c:txPr>
-        <c:crossAx val="365894312"/>
-        <c:crosses val="autoZero"/>
-        <c:auto val="1"/>
-        <c:lblAlgn val="ctr"/>
-        <c:lblOffset val="100"/>
-        <c:noMultiLvlLbl val="0"/>
-      </c:catAx>
-      <c:valAx>
-        <c:axId val="365894312"/>
-        <c:scaling>
-          <c:orientation val="minMax"/>
-        </c:scaling>
-        <c:delete val="0"/>
-        <c:axPos val="l"/>
-        <c:majorGridlines>
-          <c:spPr>
-            <a:ln w="9525" cap="flat" cmpd="sng" algn="ctr">
-              <a:solidFill>
-                <a:schemeClr val="tx1">
-                  <a:lumMod val="15000"/>
-                  <a:lumOff val="85000"/>
-                </a:schemeClr>
-              </a:solidFill>
-              <a:round/>
-            </a:ln>
-            <a:effectLst/>
-          </c:spPr>
-        </c:majorGridlines>
-        <c:numFmt formatCode="General" sourceLinked="1"/>
-        <c:majorTickMark val="none"/>
-        <c:minorTickMark val="none"/>
-        <c:tickLblPos val="nextTo"/>
-        <c:spPr>
-          <a:noFill/>
-          <a:ln>
-            <a:noFill/>
-          </a:ln>
-          <a:effectLst/>
-        </c:spPr>
-        <c:txPr>
-          <a:bodyPr rot="-60000000" spcFirstLastPara="1" vertOverflow="ellipsis" vert="horz" wrap="square" anchor="ctr" anchorCtr="1"/>
-          <a:lstStyle/>
-          <a:p>
-            <a:pPr>
-              <a:defRPr lang="ru-RU" sz="1197" b="0" i="0" u="none" strike="noStrike" kern="1200" baseline="0" noProof="0">
-                <a:solidFill>
-                  <a:schemeClr val="tx1">
-                    <a:lumMod val="75000"/>
-                    <a:lumOff val="25000"/>
-                  </a:schemeClr>
-                </a:solidFill>
-                <a:latin typeface="+mn-lt"/>
-                <a:ea typeface="+mn-ea"/>
-                <a:cs typeface="+mn-cs"/>
-              </a:defRPr>
-            </a:pPr>
-            <a:endParaRPr lang="ru-RU"/>
-          </a:p>
-        </c:txPr>
-        <c:crossAx val="365893920"/>
-        <c:crosses val="autoZero"/>
-        <c:crossBetween val="between"/>
-      </c:valAx>
-      <c:spPr>
-        <a:noFill/>
-        <a:ln>
-          <a:noFill/>
-        </a:ln>
-        <a:effectLst/>
-      </c:spPr>
-    </c:plotArea>
-    <c:legend>
-      <c:legendPos val="b"/>
-      <c:overlay val="0"/>
-      <c:spPr>
-        <a:noFill/>
-        <a:ln>
-          <a:noFill/>
-        </a:ln>
-        <a:effectLst/>
-      </c:spPr>
-      <c:txPr>
-        <a:bodyPr rot="0" spcFirstLastPara="1" vertOverflow="ellipsis" vert="horz" wrap="square" anchor="ctr" anchorCtr="1"/>
-        <a:lstStyle/>
-        <a:p>
-          <a:pPr>
-            <a:defRPr lang="ru-RU" sz="1197" b="0" i="0" u="none" strike="noStrike" kern="1200" baseline="0" noProof="0">
-              <a:solidFill>
-                <a:schemeClr val="tx1">
-                  <a:lumMod val="75000"/>
-                  <a:lumOff val="25000"/>
-                </a:schemeClr>
-              </a:solidFill>
-              <a:latin typeface="+mn-lt"/>
-              <a:ea typeface="+mn-ea"/>
-              <a:cs typeface="+mn-cs"/>
-            </a:defRPr>
-          </a:pPr>
-          <a:endParaRPr lang="ru-RU"/>
-        </a:p>
-      </c:txPr>
-    </c:legend>
-    <c:plotVisOnly val="1"/>
-    <c:dispBlanksAs val="zero"/>
-    <c:showDLblsOverMax val="0"/>
-    <c:extLst>
-      <c:ext xmlns:c16r3="http://schemas.microsoft.com/office/drawing/2017/03/chart" uri="{56B9EC1D-385E-4148-901F-78D8002777C0}">
-        <c16r3:dataDisplayOptions16>
-          <c16r3:dispNaAsBlank val="1"/>
-        </c16r3:dataDisplayOptions16>
-      </c:ext>
-    </c:extLst>
-  </c:chart>
-  <c:spPr>
-    <a:noFill/>
-    <a:ln>
-      <a:noFill/>
-    </a:ln>
-    <a:effectLst/>
-  </c:spPr>
-  <c:txPr>
-    <a:bodyPr/>
-    <a:lstStyle/>
-    <a:p>
-      <a:pPr>
-        <a:defRPr lang="en-US" noProof="0">
-          <a:solidFill>
-            <a:schemeClr val="tx1">
-              <a:lumMod val="75000"/>
-              <a:lumOff val="25000"/>
-            </a:schemeClr>
-          </a:solidFill>
-        </a:defRPr>
-      </a:pPr>
-      <a:endParaRPr lang="ru-RU"/>
-    </a:p>
-  </c:txPr>
-  <c:externalData r:id="rId3">
-    <c:autoUpdate val="0"/>
-  </c:externalData>
-</c:chartSpace>
-</file>
-
 <file path=ppt/charts/colors1.xml><?xml version="1.0" encoding="utf-8"?>
 <cs:colorStyle xmlns:cs="http://schemas.microsoft.com/office/drawing/2012/chartStyle" xmlns:a="http://schemas.openxmlformats.org/drawingml/2006/main" meth="cycle" id="10">
   <a:schemeClr val="accent1"/>
@@ -1185,17 +677,6 @@
     <a:lumMod val="50000"/>
     <a:lumOff val="50000"/>
   </cs:variation>
-</cs:colorStyle>
-</file>
-
-<file path=ppt/charts/colors2.xml><?xml version="1.0" encoding="utf-8"?>
-<cs:colorStyle xmlns:cs="http://schemas.microsoft.com/office/drawing/2012/chartStyle" xmlns:a="http://schemas.openxmlformats.org/drawingml/2006/main" meth="acrossLinear" id="2">
-  <a:schemeClr val="accent1"/>
-  <a:schemeClr val="accent2"/>
-  <a:schemeClr val="accent3"/>
-  <a:schemeClr val="accent4"/>
-  <a:schemeClr val="accent5"/>
-  <a:schemeClr val="accent6"/>
 </cs:colorStyle>
 </file>
 
@@ -1667,509 +1148,6 @@
 </cs:chartStyle>
 </file>
 
-<file path=ppt/charts/style2.xml><?xml version="1.0" encoding="utf-8"?>
-<cs:chartStyle xmlns:cs="http://schemas.microsoft.com/office/drawing/2012/chartStyle" xmlns:a="http://schemas.openxmlformats.org/drawingml/2006/main" id="332">
-  <cs:axisTitle>
-    <cs:lnRef idx="0"/>
-    <cs:fillRef idx="0"/>
-    <cs:effectRef idx="0"/>
-    <cs:fontRef idx="minor">
-      <a:schemeClr val="tx1">
-        <a:lumMod val="65000"/>
-        <a:lumOff val="35000"/>
-      </a:schemeClr>
-    </cs:fontRef>
-    <cs:defRPr sz="1330" kern="1200"/>
-  </cs:axisTitle>
-  <cs:categoryAxis>
-    <cs:lnRef idx="0"/>
-    <cs:fillRef idx="0"/>
-    <cs:effectRef idx="0"/>
-    <cs:fontRef idx="minor">
-      <a:schemeClr val="tx1">
-        <a:lumMod val="65000"/>
-        <a:lumOff val="35000"/>
-      </a:schemeClr>
-    </cs:fontRef>
-    <cs:spPr>
-      <a:ln w="9525" cap="flat" cmpd="sng" algn="ctr">
-        <a:solidFill>
-          <a:schemeClr val="tx1">
-            <a:lumMod val="15000"/>
-            <a:lumOff val="85000"/>
-          </a:schemeClr>
-        </a:solidFill>
-        <a:round/>
-      </a:ln>
-    </cs:spPr>
-    <cs:defRPr sz="1197" kern="1200"/>
-  </cs:categoryAxis>
-  <cs:chartArea mods="allowNoFillOverride allowNoLineOverride">
-    <cs:lnRef idx="0"/>
-    <cs:fillRef idx="0"/>
-    <cs:effectRef idx="0"/>
-    <cs:fontRef idx="minor">
-      <a:schemeClr val="tx1"/>
-    </cs:fontRef>
-    <cs:spPr>
-      <a:solidFill>
-        <a:schemeClr val="bg1"/>
-      </a:solidFill>
-      <a:ln w="9525" cap="flat" cmpd="sng" algn="ctr">
-        <a:solidFill>
-          <a:schemeClr val="tx1">
-            <a:lumMod val="15000"/>
-            <a:lumOff val="85000"/>
-          </a:schemeClr>
-        </a:solidFill>
-        <a:round/>
-      </a:ln>
-    </cs:spPr>
-    <cs:defRPr sz="1330" kern="1200"/>
-  </cs:chartArea>
-  <cs:dataLabel>
-    <cs:lnRef idx="0"/>
-    <cs:fillRef idx="0"/>
-    <cs:effectRef idx="0"/>
-    <cs:fontRef idx="minor">
-      <a:schemeClr val="tx1">
-        <a:lumMod val="75000"/>
-        <a:lumOff val="25000"/>
-      </a:schemeClr>
-    </cs:fontRef>
-    <cs:defRPr sz="1197" kern="1200"/>
-  </cs:dataLabel>
-  <cs:dataLabelCallout>
-    <cs:lnRef idx="0"/>
-    <cs:fillRef idx="0"/>
-    <cs:effectRef idx="0"/>
-    <cs:fontRef idx="minor">
-      <a:schemeClr val="dk1">
-        <a:lumMod val="65000"/>
-        <a:lumOff val="35000"/>
-      </a:schemeClr>
-    </cs:fontRef>
-    <cs:spPr>
-      <a:solidFill>
-        <a:schemeClr val="lt1"/>
-      </a:solidFill>
-      <a:ln>
-        <a:solidFill>
-          <a:schemeClr val="dk1">
-            <a:lumMod val="25000"/>
-            <a:lumOff val="75000"/>
-          </a:schemeClr>
-        </a:solidFill>
-      </a:ln>
-    </cs:spPr>
-    <cs:defRPr sz="1197" kern="1200"/>
-    <cs:bodyPr rot="0" spcFirstLastPara="1" vertOverflow="clip" horzOverflow="clip" vert="horz" wrap="square" lIns="36576" tIns="18288" rIns="36576" bIns="18288" anchor="ctr" anchorCtr="1">
-      <a:spAutoFit/>
-    </cs:bodyPr>
-  </cs:dataLabelCallout>
-  <cs:dataPoint>
-    <cs:lnRef idx="0"/>
-    <cs:fillRef idx="1">
-      <cs:styleClr val="auto"/>
-    </cs:fillRef>
-    <cs:effectRef idx="0"/>
-    <cs:fontRef idx="minor">
-      <a:schemeClr val="tx1"/>
-    </cs:fontRef>
-  </cs:dataPoint>
-  <cs:dataPoint3D>
-    <cs:lnRef idx="0"/>
-    <cs:fillRef idx="1">
-      <cs:styleClr val="auto"/>
-    </cs:fillRef>
-    <cs:effectRef idx="0"/>
-    <cs:fontRef idx="minor">
-      <a:schemeClr val="tx1"/>
-    </cs:fontRef>
-  </cs:dataPoint3D>
-  <cs:dataPointLine>
-    <cs:lnRef idx="0">
-      <cs:styleClr val="auto"/>
-    </cs:lnRef>
-    <cs:fillRef idx="1"/>
-    <cs:effectRef idx="0"/>
-    <cs:fontRef idx="minor">
-      <a:schemeClr val="tx1"/>
-    </cs:fontRef>
-    <cs:spPr>
-      <a:ln w="28575" cap="rnd">
-        <a:solidFill>
-          <a:schemeClr val="phClr"/>
-        </a:solidFill>
-        <a:round/>
-      </a:ln>
-    </cs:spPr>
-  </cs:dataPointLine>
-  <cs:dataPointMarker>
-    <cs:lnRef idx="0">
-      <cs:styleClr val="auto"/>
-    </cs:lnRef>
-    <cs:fillRef idx="1">
-      <cs:styleClr val="auto"/>
-    </cs:fillRef>
-    <cs:effectRef idx="0"/>
-    <cs:fontRef idx="minor">
-      <a:schemeClr val="tx1"/>
-    </cs:fontRef>
-    <cs:spPr>
-      <a:ln w="9525">
-        <a:solidFill>
-          <a:schemeClr val="phClr"/>
-        </a:solidFill>
-      </a:ln>
-    </cs:spPr>
-  </cs:dataPointMarker>
-  <cs:dataPointMarkerLayout symbol="circle" size="5"/>
-  <cs:dataPointWireframe>
-    <cs:lnRef idx="0">
-      <cs:styleClr val="auto"/>
-    </cs:lnRef>
-    <cs:fillRef idx="1"/>
-    <cs:effectRef idx="0"/>
-    <cs:fontRef idx="minor">
-      <a:schemeClr val="tx1"/>
-    </cs:fontRef>
-    <cs:spPr>
-      <a:ln w="9525" cap="rnd">
-        <a:solidFill>
-          <a:schemeClr val="phClr"/>
-        </a:solidFill>
-        <a:round/>
-      </a:ln>
-    </cs:spPr>
-  </cs:dataPointWireframe>
-  <cs:dataTable>
-    <cs:lnRef idx="0"/>
-    <cs:fillRef idx="0"/>
-    <cs:effectRef idx="0"/>
-    <cs:fontRef idx="minor">
-      <a:schemeClr val="tx1">
-        <a:lumMod val="65000"/>
-        <a:lumOff val="35000"/>
-      </a:schemeClr>
-    </cs:fontRef>
-    <cs:spPr>
-      <a:noFill/>
-      <a:ln w="9525" cap="flat" cmpd="sng" algn="ctr">
-        <a:solidFill>
-          <a:schemeClr val="tx1">
-            <a:lumMod val="15000"/>
-            <a:lumOff val="85000"/>
-          </a:schemeClr>
-        </a:solidFill>
-        <a:round/>
-      </a:ln>
-    </cs:spPr>
-    <cs:defRPr sz="1197" kern="1200"/>
-  </cs:dataTable>
-  <cs:downBar>
-    <cs:lnRef idx="0"/>
-    <cs:fillRef idx="0"/>
-    <cs:effectRef idx="0"/>
-    <cs:fontRef idx="minor">
-      <a:schemeClr val="dk1"/>
-    </cs:fontRef>
-    <cs:spPr>
-      <a:solidFill>
-        <a:schemeClr val="dk1">
-          <a:lumMod val="65000"/>
-          <a:lumOff val="35000"/>
-        </a:schemeClr>
-      </a:solidFill>
-      <a:ln w="9525">
-        <a:solidFill>
-          <a:schemeClr val="tx1">
-            <a:lumMod val="65000"/>
-            <a:lumOff val="35000"/>
-          </a:schemeClr>
-        </a:solidFill>
-      </a:ln>
-    </cs:spPr>
-  </cs:downBar>
-  <cs:dropLine>
-    <cs:lnRef idx="0"/>
-    <cs:fillRef idx="0"/>
-    <cs:effectRef idx="0"/>
-    <cs:fontRef idx="minor">
-      <a:schemeClr val="tx1"/>
-    </cs:fontRef>
-    <cs:spPr>
-      <a:ln w="9525" cap="flat" cmpd="sng" algn="ctr">
-        <a:solidFill>
-          <a:schemeClr val="tx1">
-            <a:lumMod val="35000"/>
-            <a:lumOff val="65000"/>
-          </a:schemeClr>
-        </a:solidFill>
-        <a:round/>
-      </a:ln>
-    </cs:spPr>
-  </cs:dropLine>
-  <cs:errorBar>
-    <cs:lnRef idx="0"/>
-    <cs:fillRef idx="0"/>
-    <cs:effectRef idx="0"/>
-    <cs:fontRef idx="minor">
-      <a:schemeClr val="tx1"/>
-    </cs:fontRef>
-    <cs:spPr>
-      <a:ln w="9525" cap="flat" cmpd="sng" algn="ctr">
-        <a:solidFill>
-          <a:schemeClr val="tx1">
-            <a:lumMod val="65000"/>
-            <a:lumOff val="35000"/>
-          </a:schemeClr>
-        </a:solidFill>
-        <a:round/>
-      </a:ln>
-    </cs:spPr>
-  </cs:errorBar>
-  <cs:floor>
-    <cs:lnRef idx="0"/>
-    <cs:fillRef idx="0"/>
-    <cs:effectRef idx="0"/>
-    <cs:fontRef idx="minor">
-      <a:schemeClr val="tx1"/>
-    </cs:fontRef>
-    <cs:spPr>
-      <a:noFill/>
-      <a:ln>
-        <a:noFill/>
-      </a:ln>
-    </cs:spPr>
-  </cs:floor>
-  <cs:gridlineMajor>
-    <cs:lnRef idx="0"/>
-    <cs:fillRef idx="0"/>
-    <cs:effectRef idx="0"/>
-    <cs:fontRef idx="minor">
-      <a:schemeClr val="tx1"/>
-    </cs:fontRef>
-    <cs:spPr>
-      <a:ln w="9525" cap="flat" cmpd="sng" algn="ctr">
-        <a:solidFill>
-          <a:schemeClr val="tx1">
-            <a:lumMod val="15000"/>
-            <a:lumOff val="85000"/>
-          </a:schemeClr>
-        </a:solidFill>
-        <a:round/>
-      </a:ln>
-    </cs:spPr>
-  </cs:gridlineMajor>
-  <cs:gridlineMinor>
-    <cs:lnRef idx="0"/>
-    <cs:fillRef idx="0"/>
-    <cs:effectRef idx="0"/>
-    <cs:fontRef idx="minor">
-      <a:schemeClr val="tx1"/>
-    </cs:fontRef>
-    <cs:spPr>
-      <a:ln w="9525" cap="flat" cmpd="sng" algn="ctr">
-        <a:solidFill>
-          <a:schemeClr val="tx1">
-            <a:lumMod val="5000"/>
-            <a:lumOff val="95000"/>
-          </a:schemeClr>
-        </a:solidFill>
-        <a:round/>
-      </a:ln>
-    </cs:spPr>
-  </cs:gridlineMinor>
-  <cs:hiLoLine>
-    <cs:lnRef idx="0"/>
-    <cs:fillRef idx="0"/>
-    <cs:effectRef idx="0"/>
-    <cs:fontRef idx="minor">
-      <a:schemeClr val="tx1"/>
-    </cs:fontRef>
-    <cs:spPr>
-      <a:ln w="9525" cap="flat" cmpd="sng" algn="ctr">
-        <a:solidFill>
-          <a:schemeClr val="tx1">
-            <a:lumMod val="75000"/>
-            <a:lumOff val="25000"/>
-          </a:schemeClr>
-        </a:solidFill>
-        <a:round/>
-      </a:ln>
-    </cs:spPr>
-  </cs:hiLoLine>
-  <cs:leaderLine>
-    <cs:lnRef idx="0"/>
-    <cs:fillRef idx="0"/>
-    <cs:effectRef idx="0"/>
-    <cs:fontRef idx="minor">
-      <a:schemeClr val="tx1"/>
-    </cs:fontRef>
-    <cs:spPr>
-      <a:ln w="9525" cap="flat" cmpd="sng" algn="ctr">
-        <a:solidFill>
-          <a:schemeClr val="tx1">
-            <a:lumMod val="35000"/>
-            <a:lumOff val="65000"/>
-          </a:schemeClr>
-        </a:solidFill>
-        <a:round/>
-      </a:ln>
-    </cs:spPr>
-  </cs:leaderLine>
-  <cs:legend>
-    <cs:lnRef idx="0"/>
-    <cs:fillRef idx="0"/>
-    <cs:effectRef idx="0"/>
-    <cs:fontRef idx="minor">
-      <a:schemeClr val="tx1">
-        <a:lumMod val="65000"/>
-        <a:lumOff val="35000"/>
-      </a:schemeClr>
-    </cs:fontRef>
-    <cs:defRPr sz="1197" kern="1200"/>
-  </cs:legend>
-  <cs:plotArea mods="allowNoFillOverride allowNoLineOverride">
-    <cs:lnRef idx="0"/>
-    <cs:fillRef idx="0"/>
-    <cs:effectRef idx="0"/>
-    <cs:fontRef idx="minor">
-      <a:schemeClr val="tx1"/>
-    </cs:fontRef>
-  </cs:plotArea>
-  <cs:plotArea3D mods="allowNoFillOverride allowNoLineOverride">
-    <cs:lnRef idx="0"/>
-    <cs:fillRef idx="0"/>
-    <cs:effectRef idx="0"/>
-    <cs:fontRef idx="minor">
-      <a:schemeClr val="tx1"/>
-    </cs:fontRef>
-  </cs:plotArea3D>
-  <cs:seriesAxis>
-    <cs:lnRef idx="0"/>
-    <cs:fillRef idx="0"/>
-    <cs:effectRef idx="0"/>
-    <cs:fontRef idx="minor">
-      <a:schemeClr val="tx1">
-        <a:lumMod val="65000"/>
-        <a:lumOff val="35000"/>
-      </a:schemeClr>
-    </cs:fontRef>
-    <cs:defRPr sz="1197" kern="1200"/>
-  </cs:seriesAxis>
-  <cs:seriesLine>
-    <cs:lnRef idx="0"/>
-    <cs:fillRef idx="0"/>
-    <cs:effectRef idx="0"/>
-    <cs:fontRef idx="minor">
-      <a:schemeClr val="tx1"/>
-    </cs:fontRef>
-    <cs:spPr>
-      <a:ln w="9525" cap="flat" cmpd="sng" algn="ctr">
-        <a:solidFill>
-          <a:schemeClr val="tx1">
-            <a:lumMod val="35000"/>
-            <a:lumOff val="65000"/>
-          </a:schemeClr>
-        </a:solidFill>
-        <a:round/>
-      </a:ln>
-    </cs:spPr>
-  </cs:seriesLine>
-  <cs:title>
-    <cs:lnRef idx="0"/>
-    <cs:fillRef idx="0"/>
-    <cs:effectRef idx="0"/>
-    <cs:fontRef idx="minor">
-      <a:schemeClr val="tx1">
-        <a:lumMod val="65000"/>
-        <a:lumOff val="35000"/>
-      </a:schemeClr>
-    </cs:fontRef>
-    <cs:defRPr sz="1862" b="0" kern="1200" spc="0" baseline="0"/>
-  </cs:title>
-  <cs:trendline>
-    <cs:lnRef idx="0">
-      <cs:styleClr val="auto"/>
-    </cs:lnRef>
-    <cs:fillRef idx="0"/>
-    <cs:effectRef idx="0"/>
-    <cs:fontRef idx="minor">
-      <a:schemeClr val="tx1"/>
-    </cs:fontRef>
-    <cs:spPr>
-      <a:ln w="19050" cap="rnd">
-        <a:solidFill>
-          <a:schemeClr val="phClr"/>
-        </a:solidFill>
-        <a:prstDash val="sysDot"/>
-      </a:ln>
-    </cs:spPr>
-  </cs:trendline>
-  <cs:trendlineLabel>
-    <cs:lnRef idx="0"/>
-    <cs:fillRef idx="0"/>
-    <cs:effectRef idx="0"/>
-    <cs:fontRef idx="minor">
-      <a:schemeClr val="tx1">
-        <a:lumMod val="65000"/>
-        <a:lumOff val="35000"/>
-      </a:schemeClr>
-    </cs:fontRef>
-    <cs:defRPr sz="1197" kern="1200"/>
-  </cs:trendlineLabel>
-  <cs:upBar>
-    <cs:lnRef idx="0"/>
-    <cs:fillRef idx="0"/>
-    <cs:effectRef idx="0"/>
-    <cs:fontRef idx="minor">
-      <a:schemeClr val="dk1"/>
-    </cs:fontRef>
-    <cs:spPr>
-      <a:solidFill>
-        <a:schemeClr val="lt1"/>
-      </a:solidFill>
-      <a:ln w="9525">
-        <a:solidFill>
-          <a:schemeClr val="tx1">
-            <a:lumMod val="15000"/>
-            <a:lumOff val="85000"/>
-          </a:schemeClr>
-        </a:solidFill>
-      </a:ln>
-    </cs:spPr>
-  </cs:upBar>
-  <cs:valueAxis>
-    <cs:lnRef idx="0"/>
-    <cs:fillRef idx="0"/>
-    <cs:effectRef idx="0"/>
-    <cs:fontRef idx="minor">
-      <a:schemeClr val="tx1">
-        <a:lumMod val="65000"/>
-        <a:lumOff val="35000"/>
-      </a:schemeClr>
-    </cs:fontRef>
-    <cs:defRPr sz="1197" kern="1200"/>
-  </cs:valueAxis>
-  <cs:wall>
-    <cs:lnRef idx="0"/>
-    <cs:fillRef idx="0"/>
-    <cs:effectRef idx="0"/>
-    <cs:fontRef idx="minor">
-      <a:schemeClr val="tx1"/>
-    </cs:fontRef>
-    <cs:spPr>
-      <a:noFill/>
-      <a:ln>
-        <a:noFill/>
-      </a:ln>
-    </cs:spPr>
-  </cs:wall>
-</cs:chartStyle>
-</file>
-
 <file path=ppt/handoutMasters/handoutMaster1.xml><?xml version="1.0" encoding="utf-8"?>
 <p:handoutMaster xmlns:a="http://schemas.openxmlformats.org/drawingml/2006/main" xmlns:r="http://schemas.openxmlformats.org/officeDocument/2006/relationships" xmlns:p="http://schemas.openxmlformats.org/presentationml/2006/main">
   <p:cSld>
@@ -2254,7 +1232,7 @@
             <a:pPr rtl="0"/>
             <a:fld id="{CC47612C-0FE7-4205-8BC4-70FBEA4A36E6}" type="datetime1">
               <a:rPr lang="ru-RU" smtClean="0"/>
-              <a:t>19.05.2021</a:t>
+              <a:t>25.05.2021</a:t>
             </a:fld>
             <a:endParaRPr lang="ru-RU"/>
           </a:p>
@@ -2424,7 +1402,7 @@
             <a:pPr rtl="0"/>
             <a:fld id="{2BD5B46D-BC96-446D-9FB6-CF7F06AE6134}" type="datetime1">
               <a:rPr lang="ru-RU" noProof="0" smtClean="0"/>
-              <a:t>19.05.2021</a:t>
+              <a:t>25.05.2021</a:t>
             </a:fld>
             <a:endParaRPr lang="ru-RU" noProof="0"/>
           </a:p>
@@ -3501,7 +2479,7 @@
             <a:pPr rtl="0"/>
             <a:fld id="{4FC3E6E1-22DB-46C9-B5BC-BB524C07B836}" type="datetime1">
               <a:rPr lang="ru-RU" noProof="0" smtClean="0"/>
-              <a:t>19.05.2021</a:t>
+              <a:t>25.05.2021</a:t>
             </a:fld>
             <a:endParaRPr lang="ru-RU" noProof="0"/>
           </a:p>
@@ -4039,7 +3017,7 @@
             <a:pPr rtl="0"/>
             <a:fld id="{6F406929-37C3-474A-BA39-B1579F7DB836}" type="datetime1">
               <a:rPr lang="ru-RU" noProof="0" smtClean="0"/>
-              <a:t>19.05.2021</a:t>
+              <a:t>25.05.2021</a:t>
             </a:fld>
             <a:endParaRPr lang="ru-RU" noProof="0"/>
           </a:p>
@@ -4807,7 +3785,7 @@
             <a:pPr rtl="0"/>
             <a:fld id="{5ECC176E-2897-450B-B0FB-89D8F0834F12}" type="datetime1">
               <a:rPr lang="ru-RU" noProof="0" smtClean="0"/>
-              <a:t>19.05.2021</a:t>
+              <a:t>25.05.2021</a:t>
             </a:fld>
             <a:endParaRPr lang="ru-RU" noProof="0"/>
           </a:p>
@@ -5508,7 +4486,7 @@
             <a:pPr rtl="0"/>
             <a:fld id="{244969C9-F224-4E12-B84B-167A917DE76C}" type="datetime1">
               <a:rPr lang="ru-RU" noProof="0" smtClean="0"/>
-              <a:t>19.05.2021</a:t>
+              <a:t>25.05.2021</a:t>
             </a:fld>
             <a:endParaRPr lang="ru-RU" noProof="0"/>
           </a:p>
@@ -6582,7 +5560,7 @@
             <a:pPr rtl="0"/>
             <a:fld id="{4933AB16-7262-4778-AD65-6CCE90CE955E}" type="datetime1">
               <a:rPr lang="ru-RU" noProof="0" smtClean="0"/>
-              <a:t>19.05.2021</a:t>
+              <a:t>25.05.2021</a:t>
             </a:fld>
             <a:endParaRPr lang="ru-RU" noProof="0"/>
           </a:p>
@@ -7411,7 +6389,7 @@
             <a:pPr rtl="0"/>
             <a:fld id="{1A1665D7-3930-4833-A947-A83D96138EC4}" type="datetime1">
               <a:rPr lang="ru-RU" noProof="0" smtClean="0"/>
-              <a:t>19.05.2021</a:t>
+              <a:t>25.05.2021</a:t>
             </a:fld>
             <a:endParaRPr lang="ru-RU" noProof="0"/>
           </a:p>
@@ -8366,7 +7344,7 @@
             <a:pPr rtl="0"/>
             <a:fld id="{A7BD5469-70E7-419A-B5DA-1182B28CDAE7}" type="datetime1">
               <a:rPr lang="ru-RU" noProof="0" smtClean="0"/>
-              <a:t>19.05.2021</a:t>
+              <a:t>25.05.2021</a:t>
             </a:fld>
             <a:endParaRPr lang="ru-RU" noProof="0"/>
           </a:p>
@@ -9067,7 +8045,7 @@
             <a:pPr rtl="0"/>
             <a:fld id="{9A1187A4-F659-4BF7-8B81-A9B125D3633C}" type="datetime1">
               <a:rPr lang="ru-RU" noProof="0" smtClean="0"/>
-              <a:t>19.05.2021</a:t>
+              <a:t>25.05.2021</a:t>
             </a:fld>
             <a:endParaRPr lang="ru-RU" noProof="0"/>
           </a:p>
@@ -9768,7 +8746,7 @@
             <a:pPr rtl="0"/>
             <a:fld id="{2E75537D-F423-4A69-B740-76ED3C8376BC}" type="datetime1">
               <a:rPr lang="ru-RU" noProof="0" smtClean="0"/>
-              <a:t>19.05.2021</a:t>
+              <a:t>25.05.2021</a:t>
             </a:fld>
             <a:endParaRPr lang="ru-RU" noProof="0"/>
           </a:p>
@@ -10475,7 +9453,7 @@
             <a:pPr rtl="0"/>
             <a:fld id="{4C742CED-2D07-404B-AB13-023E54BA310B}" type="datetime1">
               <a:rPr lang="ru-RU" noProof="0" smtClean="0"/>
-              <a:t>19.05.2021</a:t>
+              <a:t>25.05.2021</a:t>
             </a:fld>
             <a:endParaRPr lang="ru-RU" noProof="0"/>
           </a:p>
@@ -10700,7 +9678,7 @@
             <a:pPr rtl="0"/>
             <a:fld id="{24B9EF5C-4EA2-4E3C-A4F4-B76FE22AE7E2}" type="datetime1">
               <a:rPr lang="ru-RU" noProof="0" smtClean="0"/>
-              <a:t>19.05.2021</a:t>
+              <a:t>25.05.2021</a:t>
             </a:fld>
             <a:endParaRPr lang="ru-RU" noProof="0"/>
           </a:p>
@@ -11182,34 +10160,224 @@
       </p:grpSpPr>
       <p:pic>
         <p:nvPicPr>
-          <p:cNvPr id="7" name="Рисунок 4" descr="Изображение выглядит как небо, легкий, закат&#10;&#10;Автоматически созданное описание">
+          <p:cNvPr id="1030" name="Picture 6" descr="https://cdn.discordapp.com/attachments/825448207206318131/846749140800503878/candytitlehuge.png">
             <a:extLst>
               <a:ext uri="{FF2B5EF4-FFF2-40B4-BE49-F238E27FC236}">
-                <a16:creationId xmlns:a16="http://schemas.microsoft.com/office/drawing/2014/main" id="{811A3CAF-7AB3-4553-88A5-EA7E20B54648}"/>
+                <a16:creationId xmlns:a16="http://schemas.microsoft.com/office/drawing/2014/main" id="{A91E3BB2-D702-4CD7-B77D-5E3B8B2181DC}"/>
               </a:ext>
             </a:extLst>
           </p:cNvPr>
           <p:cNvPicPr>
-            <a:picLocks noChangeAspect="1"/>
+            <a:picLocks noChangeAspect="1" noChangeArrowheads="1"/>
           </p:cNvPicPr>
           <p:nvPr/>
         </p:nvPicPr>
-        <p:blipFill>
-          <a:blip r:embed="rId3"/>
-          <a:stretch>
-            <a:fillRect/>
-          </a:stretch>
+        <p:blipFill rotWithShape="1">
+          <a:blip r:embed="rId3">
+            <a:extLst>
+              <a:ext uri="{28A0092B-C50C-407E-A947-70E740481C1C}">
+                <a14:useLocalDpi xmlns:a14="http://schemas.microsoft.com/office/drawing/2010/main" val="0"/>
+              </a:ext>
+            </a:extLst>
+          </a:blip>
+          <a:srcRect l="3235" t="431" r="55805" b="-431"/>
+          <a:stretch/>
         </p:blipFill>
+        <p:spPr bwMode="auto">
+          <a:xfrm>
+            <a:off x="3025620" y="1568743"/>
+            <a:ext cx="6140741" cy="2195818"/>
+          </a:xfrm>
+          <a:prstGeom prst="rect">
+            <a:avLst/>
+          </a:prstGeom>
+          <a:noFill/>
+          <a:extLst>
+            <a:ext uri="{909E8E84-426E-40DD-AFC4-6F175D3DCCD1}">
+              <a14:hiddenFill xmlns:a14="http://schemas.microsoft.com/office/drawing/2010/main">
+                <a:solidFill>
+                  <a:srgbClr val="FFFFFF"/>
+                </a:solidFill>
+              </a14:hiddenFill>
+            </a:ext>
+          </a:extLst>
+        </p:spPr>
+      </p:pic>
+      <p:pic>
+        <p:nvPicPr>
+          <p:cNvPr id="6" name="Picture 6" descr="https://cdn.discordapp.com/attachments/825448207206318131/846749140800503878/candytitlehuge.png">
+            <a:extLst>
+              <a:ext uri="{FF2B5EF4-FFF2-40B4-BE49-F238E27FC236}">
+                <a16:creationId xmlns:a16="http://schemas.microsoft.com/office/drawing/2014/main" id="{78B544C3-FFC3-4262-9574-823118B0E32A}"/>
+              </a:ext>
+            </a:extLst>
+          </p:cNvPr>
+          <p:cNvPicPr>
+            <a:picLocks noChangeAspect="1" noChangeArrowheads="1"/>
+          </p:cNvPicPr>
+          <p:nvPr/>
+        </p:nvPicPr>
+        <p:blipFill rotWithShape="1">
+          <a:blip r:embed="rId3">
+            <a:extLst>
+              <a:ext uri="{28A0092B-C50C-407E-A947-70E740481C1C}">
+                <a14:useLocalDpi xmlns:a14="http://schemas.microsoft.com/office/drawing/2010/main" val="0"/>
+              </a:ext>
+            </a:extLst>
+          </a:blip>
+          <a:srcRect l="46602" r="3226"/>
+          <a:stretch/>
+        </p:blipFill>
+        <p:spPr bwMode="auto">
+          <a:xfrm>
+            <a:off x="2316749" y="2856279"/>
+            <a:ext cx="7558481" cy="2206475"/>
+          </a:xfrm>
+          <a:prstGeom prst="rect">
+            <a:avLst/>
+          </a:prstGeom>
+          <a:noFill/>
+          <a:extLst>
+            <a:ext uri="{909E8E84-426E-40DD-AFC4-6F175D3DCCD1}">
+              <a14:hiddenFill xmlns:a14="http://schemas.microsoft.com/office/drawing/2010/main">
+                <a:solidFill>
+                  <a:srgbClr val="FFFFFF"/>
+                </a:solidFill>
+              </a14:hiddenFill>
+            </a:ext>
+          </a:extLst>
+        </p:spPr>
+      </p:pic>
+      <p:pic>
+        <p:nvPicPr>
+          <p:cNvPr id="1034" name="Picture 10" descr="https://cdn.discordapp.com/attachments/825448207206318131/846756608292945940/candytitlehuge.png">
+            <a:extLst>
+              <a:ext uri="{FF2B5EF4-FFF2-40B4-BE49-F238E27FC236}">
+                <a16:creationId xmlns:a16="http://schemas.microsoft.com/office/drawing/2014/main" id="{CFB54016-C663-4273-8982-0B05415D3524}"/>
+              </a:ext>
+            </a:extLst>
+          </p:cNvPr>
+          <p:cNvPicPr>
+            <a:picLocks noChangeAspect="1" noChangeArrowheads="1"/>
+          </p:cNvPicPr>
+          <p:nvPr/>
+        </p:nvPicPr>
+        <p:blipFill rotWithShape="1">
+          <a:blip r:embed="rId4">
+            <a:extLst>
+              <a:ext uri="{28A0092B-C50C-407E-A947-70E740481C1C}">
+                <a14:useLocalDpi xmlns:a14="http://schemas.microsoft.com/office/drawing/2010/main" val="0"/>
+              </a:ext>
+            </a:extLst>
+          </a:blip>
+          <a:srcRect l="46631" r="3253"/>
+          <a:stretch/>
+        </p:blipFill>
+        <p:spPr bwMode="auto">
+          <a:xfrm>
+            <a:off x="2316748" y="2856279"/>
+            <a:ext cx="7558481" cy="2208982"/>
+          </a:xfrm>
+          <a:prstGeom prst="rect">
+            <a:avLst/>
+          </a:prstGeom>
+          <a:noFill/>
+          <a:extLst>
+            <a:ext uri="{909E8E84-426E-40DD-AFC4-6F175D3DCCD1}">
+              <a14:hiddenFill xmlns:a14="http://schemas.microsoft.com/office/drawing/2010/main">
+                <a:solidFill>
+                  <a:srgbClr val="FFFFFF"/>
+                </a:solidFill>
+              </a14:hiddenFill>
+            </a:ext>
+          </a:extLst>
+        </p:spPr>
+      </p:pic>
+      <p:sp>
+        <p:nvSpPr>
+          <p:cNvPr id="3" name="TextBox 2">
+            <a:extLst>
+              <a:ext uri="{FF2B5EF4-FFF2-40B4-BE49-F238E27FC236}">
+                <a16:creationId xmlns:a16="http://schemas.microsoft.com/office/drawing/2014/main" id="{E1DC5059-4F40-4053-A8E3-D10E984C6348}"/>
+              </a:ext>
+            </a:extLst>
+          </p:cNvPr>
+          <p:cNvSpPr txBox="1"/>
+          <p:nvPr/>
+        </p:nvSpPr>
         <p:spPr>
           <a:xfrm>
-            <a:off x="1289061" y="206283"/>
-            <a:ext cx="9500229" cy="3991644"/>
+            <a:off x="3153259" y="4919925"/>
+            <a:ext cx="5885457" cy="369332"/>
+          </a:xfrm>
+          <a:prstGeom prst="rect">
+            <a:avLst/>
+          </a:prstGeom>
+          <a:noFill/>
+        </p:spPr>
+        <p:txBody>
+          <a:bodyPr wrap="none" rtlCol="0">
+            <a:spAutoFit/>
+          </a:bodyPr>
+          <a:lstStyle/>
+          <a:p>
+            <a:r>
+              <a:rPr lang="ru-RU" dirty="0">
+                <a:latin typeface="Consolas" panose="020B0609020204030204" pitchFamily="49" charset="0"/>
+              </a:rPr>
+              <a:t>1С21S.I.13. Hybrid Harvest. Обучение генетике</a:t>
+            </a:r>
+          </a:p>
+        </p:txBody>
+      </p:sp>
+      <p:sp>
+        <p:nvSpPr>
+          <p:cNvPr id="4" name="Прямоугольник 3">
+            <a:extLst>
+              <a:ext uri="{FF2B5EF4-FFF2-40B4-BE49-F238E27FC236}">
+                <a16:creationId xmlns:a16="http://schemas.microsoft.com/office/drawing/2014/main" id="{45A1A69E-0094-43F7-9503-BC700C9B9D21}"/>
+              </a:ext>
+            </a:extLst>
+          </p:cNvPr>
+          <p:cNvSpPr/>
+          <p:nvPr/>
+        </p:nvSpPr>
+        <p:spPr>
+          <a:xfrm>
+            <a:off x="3724184" y="5289257"/>
+            <a:ext cx="4743606" cy="369332"/>
           </a:xfrm>
           <a:prstGeom prst="rect">
             <a:avLst/>
           </a:prstGeom>
         </p:spPr>
-      </p:pic>
+        <p:txBody>
+          <a:bodyPr wrap="none">
+            <a:spAutoFit/>
+          </a:bodyPr>
+          <a:lstStyle/>
+          <a:p>
+            <a:r>
+              <a:rPr lang="ru-RU" dirty="0">
+                <a:latin typeface="Consolas" panose="020B0609020204030204" pitchFamily="49" charset="0"/>
+              </a:rPr>
+              <a:t>Разработано командой «</a:t>
+            </a:r>
+            <a:r>
+              <a:rPr lang="en-US" dirty="0">
+                <a:latin typeface="Consolas" panose="020B0609020204030204" pitchFamily="49" charset="0"/>
+              </a:rPr>
+              <a:t>Teel@Software</a:t>
+            </a:r>
+            <a:r>
+              <a:rPr lang="ru-RU" dirty="0">
+                <a:latin typeface="Consolas" panose="020B0609020204030204" pitchFamily="49" charset="0"/>
+              </a:rPr>
+              <a:t>»</a:t>
+            </a:r>
+          </a:p>
+        </p:txBody>
+      </p:sp>
     </p:spTree>
     <p:extLst>
       <p:ext uri="{BB962C8B-B14F-4D97-AF65-F5344CB8AC3E}">
@@ -11220,13 +10388,6 @@
   <p:clrMapOvr>
     <a:masterClrMapping/>
   </p:clrMapOvr>
-  <p:timing>
-    <p:tnLst>
-      <p:par>
-        <p:cTn id="1" dur="indefinite" restart="never" nodeType="tmRoot"/>
-      </p:par>
-    </p:tnLst>
-  </p:timing>
 </p:sld>
 </file>
 
@@ -11320,17 +10481,8 @@
               <a:rPr lang="ru-RU" sz="1800" dirty="0">
                 <a:latin typeface="+mj-lt"/>
               </a:rPr>
-              <a:t>Улучшить знания людей по теме «Селекция</a:t>
+              <a:t>Улучшить знания людей по теме «Селекция»</a:t>
             </a:r>
-            <a:r>
-              <a:rPr lang="ru-RU" sz="1800" dirty="0" smtClean="0">
-                <a:latin typeface="+mj-lt"/>
-              </a:rPr>
-              <a:t>»</a:t>
-            </a:r>
-            <a:endParaRPr lang="ru-RU" sz="1800" dirty="0">
-              <a:latin typeface="+mj-lt"/>
-            </a:endParaRPr>
           </a:p>
           <a:p>
             <a:pPr marL="0" indent="0">
@@ -11352,7 +10504,7 @@
               <a:rPr lang="ru-RU" sz="1800" dirty="0">
                 <a:latin typeface="+mj-lt"/>
               </a:rPr>
-              <a:t>Распределить роли </a:t>
+              <a:t>Создать мобильную игру в жанре «Ферма»</a:t>
             </a:r>
           </a:p>
           <a:p>
@@ -11364,7 +10516,7 @@
               <a:rPr lang="ru-RU" sz="1800" dirty="0">
                 <a:latin typeface="+mj-lt"/>
               </a:rPr>
-              <a:t>Выбрать способы коммуникации </a:t>
+              <a:t>Добавить в приложение элементы, обучающие азам биологии, генетики и селекции</a:t>
             </a:r>
           </a:p>
           <a:p>
@@ -11376,43 +10528,7 @@
               <a:rPr lang="ru-RU" sz="1800" dirty="0">
                 <a:latin typeface="+mj-lt"/>
               </a:rPr>
-              <a:t>Составить подзадачи </a:t>
-            </a:r>
-          </a:p>
-          <a:p>
-            <a:pPr>
-              <a:buFont typeface="Arial" panose="020B0604020202020204" pitchFamily="34" charset="0"/>
-              <a:buChar char="•"/>
-            </a:pPr>
-            <a:r>
-              <a:rPr lang="ru-RU" sz="1800" dirty="0">
-                <a:latin typeface="+mj-lt"/>
-              </a:rPr>
-              <a:t>Сформировать расписание </a:t>
-            </a:r>
-          </a:p>
-          <a:p>
-            <a:pPr>
-              <a:buFont typeface="Arial" panose="020B0604020202020204" pitchFamily="34" charset="0"/>
-              <a:buChar char="•"/>
-            </a:pPr>
-            <a:r>
-              <a:rPr lang="ru-RU" sz="1800" dirty="0">
-                <a:latin typeface="+mj-lt"/>
-              </a:rPr>
-              <a:t>Провести работы с потенциальными потребителями </a:t>
-            </a:r>
-          </a:p>
-          <a:p>
-            <a:pPr>
-              <a:buFont typeface="Arial" panose="020B0604020202020204" pitchFamily="34" charset="0"/>
-              <a:buChar char="•"/>
-            </a:pPr>
-            <a:r>
-              <a:rPr lang="ru-RU" sz="1800" dirty="0">
-                <a:latin typeface="+mj-lt"/>
-              </a:rPr>
-              <a:t>Подготовить презентацию</a:t>
+              <a:t>Удостовериться, что приложение интересно той возрастной аудитории, на которую оно было нацелено</a:t>
             </a:r>
           </a:p>
           <a:p>
@@ -11453,14 +10569,11 @@
           <a:p>
             <a:pPr algn="ctr" rtl="0"/>
             <a:r>
-              <a:rPr lang="ru-RU" dirty="0" smtClean="0">
+              <a:rPr lang="ru-RU" dirty="0">
                 <a:sym typeface="Bodoni SvtyTwo ITC TT-Book"/>
               </a:rPr>
               <a:t>Цели и задачи</a:t>
             </a:r>
-            <a:endParaRPr lang="ru-RU" dirty="0">
-              <a:sym typeface="Bodoni SvtyTwo ITC TT-Book"/>
-            </a:endParaRPr>
           </a:p>
         </p:txBody>
       </p:sp>
@@ -11502,13 +10615,6 @@
   <p:clrMapOvr>
     <a:masterClrMapping/>
   </p:clrMapOvr>
-  <p:timing>
-    <p:tnLst>
-      <p:par>
-        <p:cTn id="1" dur="indefinite" restart="never" nodeType="tmRoot"/>
-      </p:par>
-    </p:tnLst>
-  </p:timing>
 </p:sld>
 </file>
 
@@ -11529,42 +10635,6 @@
           <a:chExt cx="0" cy="0"/>
         </a:xfrm>
       </p:grpSpPr>
-      <p:pic>
-        <p:nvPicPr>
-          <p:cNvPr id="6" name="Рисунок 5">
-            <a:extLst>
-              <a:ext uri="{FF2B5EF4-FFF2-40B4-BE49-F238E27FC236}">
-                <a16:creationId xmlns:a16="http://schemas.microsoft.com/office/drawing/2014/main" id="{20C0F810-4BB9-449A-BD82-7679FBCD3996}"/>
-              </a:ext>
-            </a:extLst>
-          </p:cNvPr>
-          <p:cNvPicPr>
-            <a:picLocks noChangeAspect="1"/>
-          </p:cNvPicPr>
-          <p:nvPr/>
-        </p:nvPicPr>
-        <p:blipFill>
-          <a:blip r:embed="rId3">
-            <a:extLst>
-              <a:ext uri="{28A0092B-C50C-407E-A947-70E740481C1C}">
-                <a14:useLocalDpi xmlns:a14="http://schemas.microsoft.com/office/drawing/2010/main" val="0"/>
-              </a:ext>
-            </a:extLst>
-          </a:blip>
-          <a:stretch>
-            <a:fillRect/>
-          </a:stretch>
-        </p:blipFill>
-        <p:spPr>
-          <a:xfrm>
-            <a:off x="6126480" y="348606"/>
-            <a:ext cx="6040986" cy="2884570"/>
-          </a:xfrm>
-          <a:prstGeom prst="rect">
-            <a:avLst/>
-          </a:prstGeom>
-        </p:spPr>
-      </p:pic>
       <p:sp>
         <p:nvSpPr>
           <p:cNvPr id="2" name="Заголовок 1">
@@ -11588,10 +10658,9 @@
           <a:p>
             <a:pPr rtl="0"/>
             <a:r>
-              <a:rPr lang="ru-RU" dirty="0" smtClean="0"/>
+              <a:rPr lang="ru-RU" dirty="0"/>
               <a:t>аналитика</a:t>
             </a:r>
-            <a:endParaRPr lang="ru-RU" dirty="0"/>
           </a:p>
         </p:txBody>
       </p:sp>
@@ -11603,23 +10672,21 @@
           </p:cNvPicPr>
           <p:nvPr/>
         </p:nvPicPr>
-        <p:blipFill>
-          <a:blip r:embed="rId4">
+        <p:blipFill rotWithShape="1">
+          <a:blip r:embed="rId3">
             <a:extLst>
               <a:ext uri="{28A0092B-C50C-407E-A947-70E740481C1C}">
                 <a14:useLocalDpi xmlns:a14="http://schemas.microsoft.com/office/drawing/2010/main" val="0"/>
               </a:ext>
             </a:extLst>
           </a:blip>
-          <a:srcRect/>
-          <a:stretch>
-            <a:fillRect/>
-          </a:stretch>
+          <a:srcRect l="3316" t="10174"/>
+          <a:stretch/>
         </p:blipFill>
         <p:spPr bwMode="auto">
           <a:xfrm>
-            <a:off x="-234968" y="1790891"/>
-            <a:ext cx="7084501" cy="5402389"/>
+            <a:off x="22069" y="1733903"/>
+            <a:ext cx="6849531" cy="4936919"/>
           </a:xfrm>
           <a:prstGeom prst="rect">
             <a:avLst/>
@@ -11650,7 +10717,42 @@
           </p:cNvPicPr>
           <p:nvPr/>
         </p:nvPicPr>
-        <p:blipFill>
+        <p:blipFill rotWithShape="1">
+          <a:blip r:embed="rId4">
+            <a:extLst>
+              <a:ext uri="{28A0092B-C50C-407E-A947-70E740481C1C}">
+                <a14:useLocalDpi xmlns:a14="http://schemas.microsoft.com/office/drawing/2010/main" val="0"/>
+              </a:ext>
+            </a:extLst>
+          </a:blip>
+          <a:srcRect t="20751"/>
+          <a:stretch/>
+        </p:blipFill>
+        <p:spPr>
+          <a:xfrm>
+            <a:off x="6355280" y="5066484"/>
+            <a:ext cx="5871690" cy="1791516"/>
+          </a:xfrm>
+          <a:prstGeom prst="rect">
+            <a:avLst/>
+          </a:prstGeom>
+        </p:spPr>
+      </p:pic>
+      <p:pic>
+        <p:nvPicPr>
+          <p:cNvPr id="6" name="Рисунок 5">
+            <a:extLst>
+              <a:ext uri="{FF2B5EF4-FFF2-40B4-BE49-F238E27FC236}">
+                <a16:creationId xmlns:a16="http://schemas.microsoft.com/office/drawing/2014/main" id="{20C0F810-4BB9-449A-BD82-7679FBCD3996}"/>
+              </a:ext>
+            </a:extLst>
+          </p:cNvPr>
+          <p:cNvPicPr>
+            <a:picLocks noChangeAspect="1"/>
+          </p:cNvPicPr>
+          <p:nvPr/>
+        </p:nvPicPr>
+        <p:blipFill rotWithShape="1">
           <a:blip r:embed="rId5">
             <a:extLst>
               <a:ext uri="{28A0092B-C50C-407E-A947-70E740481C1C}">
@@ -11658,20 +10760,59 @@
               </a:ext>
             </a:extLst>
           </a:blip>
-          <a:stretch>
-            <a:fillRect/>
-          </a:stretch>
+          <a:srcRect l="11892" r="12694"/>
+          <a:stretch/>
         </p:blipFill>
         <p:spPr>
           <a:xfrm>
-            <a:off x="6320310" y="3733800"/>
-            <a:ext cx="5871690" cy="2260600"/>
+            <a:off x="6355280" y="266281"/>
+            <a:ext cx="5875611" cy="4144160"/>
           </a:xfrm>
           <a:prstGeom prst="rect">
             <a:avLst/>
           </a:prstGeom>
         </p:spPr>
       </p:pic>
+      <p:sp>
+        <p:nvSpPr>
+          <p:cNvPr id="3" name="Прямоугольник 2">
+            <a:extLst>
+              <a:ext uri="{FF2B5EF4-FFF2-40B4-BE49-F238E27FC236}">
+                <a16:creationId xmlns:a16="http://schemas.microsoft.com/office/drawing/2014/main" id="{3767F9F5-3341-4EF8-9D49-B078A774F130}"/>
+              </a:ext>
+            </a:extLst>
+          </p:cNvPr>
+          <p:cNvSpPr/>
+          <p:nvPr/>
+        </p:nvSpPr>
+        <p:spPr>
+          <a:xfrm>
+            <a:off x="398833" y="5623688"/>
+            <a:ext cx="6096001" cy="338554"/>
+          </a:xfrm>
+          <a:prstGeom prst="rect">
+            <a:avLst/>
+          </a:prstGeom>
+        </p:spPr>
+        <p:txBody>
+          <a:bodyPr wrap="square">
+            <a:spAutoFit/>
+          </a:bodyPr>
+          <a:lstStyle/>
+          <a:p>
+            <a:r>
+              <a:rPr lang="ru-RU" sz="1600" dirty="0">
+                <a:latin typeface="Consolas" panose="020B0609020204030204" pitchFamily="49" charset="0"/>
+                <a:ea typeface="Times New Roman" panose="02020603050405020304" pitchFamily="18" charset="0"/>
+              </a:rPr>
+              <a:t>Возраст аудитории мобильных приложений жанра «Ферма»</a:t>
+            </a:r>
+            <a:endParaRPr lang="ru-RU" sz="1600" dirty="0">
+              <a:latin typeface="Consolas" panose="020B0609020204030204" pitchFamily="49" charset="0"/>
+            </a:endParaRPr>
+          </a:p>
+        </p:txBody>
+      </p:sp>
     </p:spTree>
     <p:extLst>
       <p:ext uri="{BB962C8B-B14F-4D97-AF65-F5344CB8AC3E}">
@@ -11682,13 +10823,6 @@
   <p:clrMapOvr>
     <a:masterClrMapping/>
   </p:clrMapOvr>
-  <p:timing>
-    <p:tnLst>
-      <p:par>
-        <p:cTn id="1" dur="indefinite" restart="never" nodeType="tmRoot"/>
-      </p:par>
-    </p:tnLst>
-  </p:timing>
 </p:sld>
 </file>
 
@@ -11711,1027 +10845,6 @@
       </p:grpSpPr>
       <p:sp>
         <p:nvSpPr>
-          <p:cNvPr id="26" name="Объект 25">
-            <a:extLst>
-              <a:ext uri="{FF2B5EF4-FFF2-40B4-BE49-F238E27FC236}">
-                <a16:creationId xmlns:a16="http://schemas.microsoft.com/office/drawing/2014/main" id="{E01CCBC3-476F-DA4C-A883-93E600ECAC2E}"/>
-              </a:ext>
-            </a:extLst>
-          </p:cNvPr>
-          <p:cNvSpPr>
-            <a:spLocks noGrp="1"/>
-          </p:cNvSpPr>
-          <p:nvPr>
-            <p:ph sz="half" idx="1"/>
-          </p:nvPr>
-        </p:nvSpPr>
-        <p:spPr/>
-        <p:txBody>
-          <a:bodyPr rtlCol="0">
-            <a:normAutofit/>
-          </a:bodyPr>
-          <a:lstStyle/>
-          <a:p>
-            <a:pPr rtl="0"/>
-            <a:r>
-              <a:rPr lang="ru-RU"/>
-              <a:t>Lorem ipsum dolor sit amet, consectetur adipiscing elit, sed eiusmod tempor incididunt ut labore et dolore magna aliqua. </a:t>
-            </a:r>
-            <a:br>
-              <a:rPr lang="ru-RU"/>
-            </a:br>
-            <a:r>
-              <a:rPr lang="ru-RU"/>
-              <a:t>Ut enim ad minim veniam, quis nostrud exercitation ullamco laboris nisi ut aliquip ex ea commodo consequat.</a:t>
-            </a:r>
-          </a:p>
-        </p:txBody>
-      </p:sp>
-      <p:graphicFrame>
-        <p:nvGraphicFramePr>
-          <p:cNvPr id="21" name="Таблица 4">
-            <a:extLst>
-              <a:ext uri="{FF2B5EF4-FFF2-40B4-BE49-F238E27FC236}">
-                <a16:creationId xmlns:a16="http://schemas.microsoft.com/office/drawing/2014/main" id="{4E2A0199-4670-2940-AB7E-F5CEB06DD52C}"/>
-              </a:ext>
-            </a:extLst>
-          </p:cNvPr>
-          <p:cNvGraphicFramePr>
-            <a:graphicFrameLocks noGrp="1"/>
-          </p:cNvGraphicFramePr>
-          <p:nvPr>
-            <p:ph sz="half" idx="2"/>
-            <p:extLst>
-              <p:ext uri="{D42A27DB-BD31-4B8C-83A1-F6EECF244321}">
-                <p14:modId xmlns:p14="http://schemas.microsoft.com/office/powerpoint/2010/main" val="1567472923"/>
-              </p:ext>
-            </p:extLst>
-          </p:nvPr>
-        </p:nvGraphicFramePr>
-        <p:xfrm>
-          <a:off x="6096000" y="783772"/>
-          <a:ext cx="4998720" cy="5411757"/>
-        </p:xfrm>
-        <a:graphic>
-          <a:graphicData uri="http://schemas.openxmlformats.org/drawingml/2006/table">
-            <a:tbl>
-              <a:tblPr firstRow="1" bandRow="1">
-                <a:tableStyleId>{9D7B26C5-4107-4FEC-AEDC-1716B250A1EF}</a:tableStyleId>
-              </a:tblPr>
-              <a:tblGrid>
-                <a:gridCol w="1249680">
-                  <a:extLst>
-                    <a:ext uri="{9D8B030D-6E8A-4147-A177-3AD203B41FA5}">
-                      <a16:colId xmlns:a16="http://schemas.microsoft.com/office/drawing/2014/main" val="2735970128"/>
-                    </a:ext>
-                  </a:extLst>
-                </a:gridCol>
-                <a:gridCol w="1249680">
-                  <a:extLst>
-                    <a:ext uri="{9D8B030D-6E8A-4147-A177-3AD203B41FA5}">
-                      <a16:colId xmlns:a16="http://schemas.microsoft.com/office/drawing/2014/main" val="2321077816"/>
-                    </a:ext>
-                  </a:extLst>
-                </a:gridCol>
-                <a:gridCol w="1249680">
-                  <a:extLst>
-                    <a:ext uri="{9D8B030D-6E8A-4147-A177-3AD203B41FA5}">
-                      <a16:colId xmlns:a16="http://schemas.microsoft.com/office/drawing/2014/main" val="2171277595"/>
-                    </a:ext>
-                  </a:extLst>
-                </a:gridCol>
-                <a:gridCol w="1249680">
-                  <a:extLst>
-                    <a:ext uri="{9D8B030D-6E8A-4147-A177-3AD203B41FA5}">
-                      <a16:colId xmlns:a16="http://schemas.microsoft.com/office/drawing/2014/main" val="569116242"/>
-                    </a:ext>
-                  </a:extLst>
-                </a:gridCol>
-              </a:tblGrid>
-              <a:tr h="959001">
-                <a:tc>
-                  <a:txBody>
-                    <a:bodyPr/>
-                    <a:lstStyle/>
-                    <a:p>
-                      <a:pPr algn="ctr" rtl="0"/>
-                      <a:r>
-                        <a:rPr lang="ru-RU" sz="1400" b="0" cap="none" spc="0" noProof="0" dirty="0">
-                          <a:solidFill>
-                            <a:schemeClr val="tx1">
-                              <a:lumMod val="75000"/>
-                              <a:lumOff val="25000"/>
-                            </a:schemeClr>
-                          </a:solidFill>
-                        </a:rPr>
-                        <a:t>LOREM IPSUM</a:t>
-                      </a:r>
-                      <a:endParaRPr lang="ru-RU" sz="1400" b="0" noProof="0" dirty="0">
-                        <a:solidFill>
-                          <a:schemeClr val="tx1">
-                            <a:lumMod val="75000"/>
-                            <a:lumOff val="25000"/>
-                          </a:schemeClr>
-                        </a:solidFill>
-                      </a:endParaRPr>
-                    </a:p>
-                  </a:txBody>
-                  <a:tcPr marT="91440" marB="91440" anchor="ctr">
-                    <a:lnL>
-                      <a:noFill/>
-                    </a:lnL>
-                    <a:lnR>
-                      <a:noFill/>
-                    </a:lnR>
-                    <a:lnT w="12700" cmpd="sng">
-                      <a:noFill/>
-                    </a:lnT>
-                    <a:lnB w="12700" cmpd="sng">
-                      <a:noFill/>
-                    </a:lnB>
-                    <a:lnTlToBr w="12700" cmpd="sng">
-                      <a:noFill/>
-                      <a:prstDash val="solid"/>
-                    </a:lnTlToBr>
-                    <a:lnBlToTr w="12700" cmpd="sng">
-                      <a:noFill/>
-                      <a:prstDash val="solid"/>
-                    </a:lnBlToTr>
-                    <a:solidFill>
-                      <a:schemeClr val="accent1"/>
-                    </a:solidFill>
-                  </a:tcPr>
-                </a:tc>
-                <a:tc>
-                  <a:txBody>
-                    <a:bodyPr/>
-                    <a:lstStyle/>
-                    <a:p>
-                      <a:pPr algn="ctr" rtl="0"/>
-                      <a:r>
-                        <a:rPr lang="ru-RU" sz="1400" b="0" cap="none" spc="0" noProof="0">
-                          <a:solidFill>
-                            <a:schemeClr val="tx1">
-                              <a:lumMod val="75000"/>
-                              <a:lumOff val="25000"/>
-                            </a:schemeClr>
-                          </a:solidFill>
-                        </a:rPr>
-                        <a:t>LOREM IPSUM</a:t>
-                      </a:r>
-                      <a:endParaRPr lang="ru-RU" sz="1400" b="0" noProof="0">
-                        <a:solidFill>
-                          <a:schemeClr val="tx1">
-                            <a:lumMod val="75000"/>
-                            <a:lumOff val="25000"/>
-                          </a:schemeClr>
-                        </a:solidFill>
-                      </a:endParaRPr>
-                    </a:p>
-                  </a:txBody>
-                  <a:tcPr marT="91440" marB="91440" anchor="ctr">
-                    <a:lnL>
-                      <a:noFill/>
-                    </a:lnL>
-                    <a:lnR>
-                      <a:noFill/>
-                    </a:lnR>
-                    <a:lnT w="12700" cmpd="sng">
-                      <a:noFill/>
-                    </a:lnT>
-                    <a:lnB w="12700" cmpd="sng">
-                      <a:noFill/>
-                    </a:lnB>
-                    <a:lnTlToBr w="12700" cmpd="sng">
-                      <a:noFill/>
-                      <a:prstDash val="solid"/>
-                    </a:lnTlToBr>
-                    <a:lnBlToTr w="12700" cmpd="sng">
-                      <a:noFill/>
-                      <a:prstDash val="solid"/>
-                    </a:lnBlToTr>
-                    <a:solidFill>
-                      <a:schemeClr val="accent3"/>
-                    </a:solidFill>
-                  </a:tcPr>
-                </a:tc>
-                <a:tc>
-                  <a:txBody>
-                    <a:bodyPr/>
-                    <a:lstStyle/>
-                    <a:p>
-                      <a:pPr algn="ctr" rtl="0"/>
-                      <a:r>
-                        <a:rPr lang="ru-RU" sz="1400" b="0" cap="none" spc="0" noProof="0">
-                          <a:solidFill>
-                            <a:schemeClr val="tx1">
-                              <a:lumMod val="75000"/>
-                              <a:lumOff val="25000"/>
-                            </a:schemeClr>
-                          </a:solidFill>
-                        </a:rPr>
-                        <a:t>LOREM IPSUM</a:t>
-                      </a:r>
-                      <a:endParaRPr lang="ru-RU" sz="1400" b="0" noProof="0">
-                        <a:solidFill>
-                          <a:schemeClr val="tx1">
-                            <a:lumMod val="75000"/>
-                            <a:lumOff val="25000"/>
-                          </a:schemeClr>
-                        </a:solidFill>
-                      </a:endParaRPr>
-                    </a:p>
-                  </a:txBody>
-                  <a:tcPr marT="91440" marB="91440" anchor="ctr">
-                    <a:lnL>
-                      <a:noFill/>
-                    </a:lnL>
-                    <a:lnR>
-                      <a:noFill/>
-                    </a:lnR>
-                    <a:lnT w="12700" cmpd="sng">
-                      <a:noFill/>
-                    </a:lnT>
-                    <a:lnB w="12700" cmpd="sng">
-                      <a:noFill/>
-                    </a:lnB>
-                    <a:lnTlToBr w="12700" cmpd="sng">
-                      <a:noFill/>
-                      <a:prstDash val="solid"/>
-                    </a:lnTlToBr>
-                    <a:lnBlToTr w="12700" cmpd="sng">
-                      <a:noFill/>
-                      <a:prstDash val="solid"/>
-                    </a:lnBlToTr>
-                    <a:solidFill>
-                      <a:schemeClr val="accent4"/>
-                    </a:solidFill>
-                  </a:tcPr>
-                </a:tc>
-                <a:tc>
-                  <a:txBody>
-                    <a:bodyPr/>
-                    <a:lstStyle/>
-                    <a:p>
-                      <a:pPr algn="ctr" rtl="0"/>
-                      <a:r>
-                        <a:rPr lang="ru-RU" sz="1400" b="0" cap="none" spc="0" noProof="0">
-                          <a:solidFill>
-                            <a:schemeClr val="tx1">
-                              <a:lumMod val="75000"/>
-                              <a:lumOff val="25000"/>
-                            </a:schemeClr>
-                          </a:solidFill>
-                        </a:rPr>
-                        <a:t>LOREM IPSUM</a:t>
-                      </a:r>
-                      <a:endParaRPr lang="ru-RU" sz="1400" b="0" noProof="0">
-                        <a:solidFill>
-                          <a:schemeClr val="tx1">
-                            <a:lumMod val="75000"/>
-                            <a:lumOff val="25000"/>
-                          </a:schemeClr>
-                        </a:solidFill>
-                      </a:endParaRPr>
-                    </a:p>
-                  </a:txBody>
-                  <a:tcPr marT="91440" marB="91440" anchor="ctr">
-                    <a:lnL>
-                      <a:noFill/>
-                    </a:lnL>
-                    <a:lnR>
-                      <a:noFill/>
-                    </a:lnR>
-                    <a:lnT w="12700" cmpd="sng">
-                      <a:noFill/>
-                    </a:lnT>
-                    <a:lnB w="12700" cmpd="sng">
-                      <a:noFill/>
-                    </a:lnB>
-                    <a:lnTlToBr w="12700" cmpd="sng">
-                      <a:noFill/>
-                      <a:prstDash val="solid"/>
-                    </a:lnTlToBr>
-                    <a:lnBlToTr w="12700" cmpd="sng">
-                      <a:noFill/>
-                      <a:prstDash val="solid"/>
-                    </a:lnBlToTr>
-                    <a:solidFill>
-                      <a:schemeClr val="accent6"/>
-                    </a:solidFill>
-                  </a:tcPr>
-                </a:tc>
-                <a:extLst>
-                  <a:ext uri="{0D108BD9-81ED-4DB2-BD59-A6C34878D82A}">
-                    <a16:rowId xmlns:a16="http://schemas.microsoft.com/office/drawing/2014/main" val="115124067"/>
-                  </a:ext>
-                </a:extLst>
-              </a:tr>
-              <a:tr h="1484252">
-                <a:tc>
-                  <a:txBody>
-                    <a:bodyPr/>
-                    <a:lstStyle/>
-                    <a:p>
-                      <a:pPr algn="ctr" rtl="0"/>
-                      <a:r>
-                        <a:rPr lang="ru-RU" sz="1400" b="0" cap="none" spc="0" noProof="0">
-                          <a:solidFill>
-                            <a:schemeClr val="tx1">
-                              <a:lumMod val="75000"/>
-                              <a:lumOff val="25000"/>
-                            </a:schemeClr>
-                          </a:solidFill>
-                        </a:rPr>
-                        <a:t>Lorem ipsum</a:t>
-                      </a:r>
-                      <a:endParaRPr lang="ru-RU" sz="1400" b="0" noProof="0">
-                        <a:solidFill>
-                          <a:schemeClr val="tx1">
-                            <a:lumMod val="75000"/>
-                            <a:lumOff val="25000"/>
-                          </a:schemeClr>
-                        </a:solidFill>
-                      </a:endParaRPr>
-                    </a:p>
-                  </a:txBody>
-                  <a:tcPr marT="91440" marB="91440" anchor="ctr">
-                    <a:lnL>
-                      <a:noFill/>
-                    </a:lnL>
-                    <a:lnR>
-                      <a:noFill/>
-                    </a:lnR>
-                    <a:lnT w="12700" cmpd="sng">
-                      <a:noFill/>
-                    </a:lnT>
-                    <a:lnB>
-                      <a:noFill/>
-                    </a:lnB>
-                    <a:lnTlToBr w="12700" cmpd="sng">
-                      <a:noFill/>
-                      <a:prstDash val="solid"/>
-                    </a:lnTlToBr>
-                    <a:lnBlToTr w="12700" cmpd="sng">
-                      <a:noFill/>
-                      <a:prstDash val="solid"/>
-                    </a:lnBlToTr>
-                    <a:solidFill>
-                      <a:schemeClr val="tx2">
-                        <a:lumMod val="20000"/>
-                        <a:lumOff val="80000"/>
-                        <a:alpha val="20000"/>
-                      </a:schemeClr>
-                    </a:solidFill>
-                  </a:tcPr>
-                </a:tc>
-                <a:tc>
-                  <a:txBody>
-                    <a:bodyPr/>
-                    <a:lstStyle/>
-                    <a:p>
-                      <a:pPr algn="ctr" rtl="0"/>
-                      <a:r>
-                        <a:rPr lang="ru-RU" sz="1400" b="0" cap="none" spc="0" noProof="0">
-                          <a:solidFill>
-                            <a:schemeClr val="tx1">
-                              <a:lumMod val="75000"/>
-                              <a:lumOff val="25000"/>
-                            </a:schemeClr>
-                          </a:solidFill>
-                        </a:rPr>
-                        <a:t>Lorem ipsum</a:t>
-                      </a:r>
-                      <a:endParaRPr lang="ru-RU" sz="1400" b="0" noProof="0">
-                        <a:solidFill>
-                          <a:schemeClr val="tx1">
-                            <a:lumMod val="75000"/>
-                            <a:lumOff val="25000"/>
-                          </a:schemeClr>
-                        </a:solidFill>
-                      </a:endParaRPr>
-                    </a:p>
-                  </a:txBody>
-                  <a:tcPr marT="91440" marB="91440" anchor="ctr">
-                    <a:lnL>
-                      <a:noFill/>
-                    </a:lnL>
-                    <a:lnR>
-                      <a:noFill/>
-                    </a:lnR>
-                    <a:lnT w="12700" cmpd="sng">
-                      <a:noFill/>
-                    </a:lnT>
-                    <a:lnB>
-                      <a:noFill/>
-                    </a:lnB>
-                    <a:lnTlToBr w="12700" cmpd="sng">
-                      <a:noFill/>
-                      <a:prstDash val="solid"/>
-                    </a:lnTlToBr>
-                    <a:lnBlToTr w="12700" cmpd="sng">
-                      <a:noFill/>
-                      <a:prstDash val="solid"/>
-                    </a:lnBlToTr>
-                    <a:solidFill>
-                      <a:schemeClr val="tx2">
-                        <a:lumMod val="20000"/>
-                        <a:lumOff val="80000"/>
-                        <a:alpha val="20000"/>
-                      </a:schemeClr>
-                    </a:solidFill>
-                  </a:tcPr>
-                </a:tc>
-                <a:tc>
-                  <a:txBody>
-                    <a:bodyPr/>
-                    <a:lstStyle/>
-                    <a:p>
-                      <a:pPr algn="ctr" rtl="0"/>
-                      <a:r>
-                        <a:rPr lang="ru-RU" sz="1400" b="0" cap="none" spc="0" noProof="0">
-                          <a:solidFill>
-                            <a:schemeClr val="tx1">
-                              <a:lumMod val="75000"/>
-                              <a:lumOff val="25000"/>
-                            </a:schemeClr>
-                          </a:solidFill>
-                        </a:rPr>
-                        <a:t>Lorem ipsum</a:t>
-                      </a:r>
-                      <a:endParaRPr lang="ru-RU" sz="1400" b="0" noProof="0">
-                        <a:solidFill>
-                          <a:schemeClr val="tx1">
-                            <a:lumMod val="75000"/>
-                            <a:lumOff val="25000"/>
-                          </a:schemeClr>
-                        </a:solidFill>
-                      </a:endParaRPr>
-                    </a:p>
-                  </a:txBody>
-                  <a:tcPr marT="91440" marB="91440" anchor="ctr">
-                    <a:lnL>
-                      <a:noFill/>
-                    </a:lnL>
-                    <a:lnR>
-                      <a:noFill/>
-                    </a:lnR>
-                    <a:lnT w="12700" cmpd="sng">
-                      <a:noFill/>
-                    </a:lnT>
-                    <a:lnB>
-                      <a:noFill/>
-                    </a:lnB>
-                    <a:lnTlToBr w="12700" cmpd="sng">
-                      <a:noFill/>
-                      <a:prstDash val="solid"/>
-                    </a:lnTlToBr>
-                    <a:lnBlToTr w="12700" cmpd="sng">
-                      <a:noFill/>
-                      <a:prstDash val="solid"/>
-                    </a:lnBlToTr>
-                    <a:solidFill>
-                      <a:schemeClr val="tx2">
-                        <a:lumMod val="20000"/>
-                        <a:lumOff val="80000"/>
-                        <a:alpha val="20000"/>
-                      </a:schemeClr>
-                    </a:solidFill>
-                  </a:tcPr>
-                </a:tc>
-                <a:tc>
-                  <a:txBody>
-                    <a:bodyPr/>
-                    <a:lstStyle/>
-                    <a:p>
-                      <a:pPr algn="ctr" rtl="0"/>
-                      <a:r>
-                        <a:rPr lang="ru-RU" sz="1400" b="0" cap="none" spc="0" noProof="0">
-                          <a:solidFill>
-                            <a:schemeClr val="tx1">
-                              <a:lumMod val="75000"/>
-                              <a:lumOff val="25000"/>
-                            </a:schemeClr>
-                          </a:solidFill>
-                        </a:rPr>
-                        <a:t>Lorem ipsum</a:t>
-                      </a:r>
-                      <a:endParaRPr lang="ru-RU" sz="1400" b="0" noProof="0">
-                        <a:solidFill>
-                          <a:schemeClr val="tx1">
-                            <a:lumMod val="75000"/>
-                            <a:lumOff val="25000"/>
-                          </a:schemeClr>
-                        </a:solidFill>
-                      </a:endParaRPr>
-                    </a:p>
-                  </a:txBody>
-                  <a:tcPr marT="91440" marB="91440" anchor="ctr">
-                    <a:lnL>
-                      <a:noFill/>
-                    </a:lnL>
-                    <a:lnR>
-                      <a:noFill/>
-                    </a:lnR>
-                    <a:lnT w="12700" cmpd="sng">
-                      <a:noFill/>
-                    </a:lnT>
-                    <a:lnB>
-                      <a:noFill/>
-                    </a:lnB>
-                    <a:lnTlToBr w="12700" cmpd="sng">
-                      <a:noFill/>
-                      <a:prstDash val="solid"/>
-                    </a:lnTlToBr>
-                    <a:lnBlToTr w="12700" cmpd="sng">
-                      <a:noFill/>
-                      <a:prstDash val="solid"/>
-                    </a:lnBlToTr>
-                    <a:solidFill>
-                      <a:schemeClr val="tx2">
-                        <a:lumMod val="20000"/>
-                        <a:lumOff val="80000"/>
-                        <a:alpha val="20000"/>
-                      </a:schemeClr>
-                    </a:solidFill>
-                  </a:tcPr>
-                </a:tc>
-                <a:extLst>
-                  <a:ext uri="{0D108BD9-81ED-4DB2-BD59-A6C34878D82A}">
-                    <a16:rowId xmlns:a16="http://schemas.microsoft.com/office/drawing/2014/main" val="2489144560"/>
-                  </a:ext>
-                </a:extLst>
-              </a:tr>
-              <a:tr h="1484252">
-                <a:tc>
-                  <a:txBody>
-                    <a:bodyPr/>
-                    <a:lstStyle/>
-                    <a:p>
-                      <a:pPr algn="ctr" rtl="0"/>
-                      <a:r>
-                        <a:rPr lang="ru-RU" sz="1400" b="0" cap="none" spc="0" noProof="0">
-                          <a:solidFill>
-                            <a:schemeClr val="tx1">
-                              <a:lumMod val="75000"/>
-                              <a:lumOff val="25000"/>
-                            </a:schemeClr>
-                          </a:solidFill>
-                        </a:rPr>
-                        <a:t>Lorem ipsum</a:t>
-                      </a:r>
-                      <a:endParaRPr lang="ru-RU" sz="1400" b="0" noProof="0">
-                        <a:solidFill>
-                          <a:schemeClr val="tx1">
-                            <a:lumMod val="75000"/>
-                            <a:lumOff val="25000"/>
-                          </a:schemeClr>
-                        </a:solidFill>
-                      </a:endParaRPr>
-                    </a:p>
-                  </a:txBody>
-                  <a:tcPr marT="91440" marB="91440" anchor="ctr">
-                    <a:lnL>
-                      <a:noFill/>
-                    </a:lnL>
-                    <a:lnR>
-                      <a:noFill/>
-                    </a:lnR>
-                    <a:lnT>
-                      <a:noFill/>
-                    </a:lnT>
-                    <a:lnB>
-                      <a:noFill/>
-                    </a:lnB>
-                    <a:lnTlToBr w="12700" cmpd="sng">
-                      <a:noFill/>
-                      <a:prstDash val="solid"/>
-                    </a:lnTlToBr>
-                    <a:lnBlToTr w="12700" cmpd="sng">
-                      <a:noFill/>
-                      <a:prstDash val="solid"/>
-                    </a:lnBlToTr>
-                  </a:tcPr>
-                </a:tc>
-                <a:tc>
-                  <a:txBody>
-                    <a:bodyPr/>
-                    <a:lstStyle/>
-                    <a:p>
-                      <a:pPr algn="ctr" rtl="0"/>
-                      <a:r>
-                        <a:rPr lang="ru-RU" sz="1400" b="0" cap="none" spc="0" noProof="0">
-                          <a:solidFill>
-                            <a:schemeClr val="tx1">
-                              <a:lumMod val="75000"/>
-                              <a:lumOff val="25000"/>
-                            </a:schemeClr>
-                          </a:solidFill>
-                        </a:rPr>
-                        <a:t>Lorem ipsum</a:t>
-                      </a:r>
-                      <a:endParaRPr lang="ru-RU" sz="1400" b="0" noProof="0">
-                        <a:solidFill>
-                          <a:schemeClr val="tx1">
-                            <a:lumMod val="75000"/>
-                            <a:lumOff val="25000"/>
-                          </a:schemeClr>
-                        </a:solidFill>
-                      </a:endParaRPr>
-                    </a:p>
-                  </a:txBody>
-                  <a:tcPr marT="91440" marB="91440" anchor="ctr">
-                    <a:lnL>
-                      <a:noFill/>
-                    </a:lnL>
-                    <a:lnR>
-                      <a:noFill/>
-                    </a:lnR>
-                    <a:lnT>
-                      <a:noFill/>
-                    </a:lnT>
-                    <a:lnB>
-                      <a:noFill/>
-                    </a:lnB>
-                    <a:lnTlToBr w="12700" cmpd="sng">
-                      <a:noFill/>
-                      <a:prstDash val="solid"/>
-                    </a:lnTlToBr>
-                    <a:lnBlToTr w="12700" cmpd="sng">
-                      <a:noFill/>
-                      <a:prstDash val="solid"/>
-                    </a:lnBlToTr>
-                  </a:tcPr>
-                </a:tc>
-                <a:tc>
-                  <a:txBody>
-                    <a:bodyPr/>
-                    <a:lstStyle/>
-                    <a:p>
-                      <a:pPr algn="ctr" rtl="0"/>
-                      <a:r>
-                        <a:rPr lang="ru-RU" sz="1400" b="0" cap="none" spc="0" noProof="0">
-                          <a:solidFill>
-                            <a:schemeClr val="tx1">
-                              <a:lumMod val="75000"/>
-                              <a:lumOff val="25000"/>
-                            </a:schemeClr>
-                          </a:solidFill>
-                        </a:rPr>
-                        <a:t>Lorem ipsum</a:t>
-                      </a:r>
-                      <a:endParaRPr lang="ru-RU" sz="1400" b="0" noProof="0">
-                        <a:solidFill>
-                          <a:schemeClr val="tx1">
-                            <a:lumMod val="75000"/>
-                            <a:lumOff val="25000"/>
-                          </a:schemeClr>
-                        </a:solidFill>
-                      </a:endParaRPr>
-                    </a:p>
-                  </a:txBody>
-                  <a:tcPr marT="91440" marB="91440" anchor="ctr">
-                    <a:lnL>
-                      <a:noFill/>
-                    </a:lnL>
-                    <a:lnR>
-                      <a:noFill/>
-                    </a:lnR>
-                    <a:lnT>
-                      <a:noFill/>
-                    </a:lnT>
-                    <a:lnB>
-                      <a:noFill/>
-                    </a:lnB>
-                    <a:lnTlToBr w="12700" cmpd="sng">
-                      <a:noFill/>
-                      <a:prstDash val="solid"/>
-                    </a:lnTlToBr>
-                    <a:lnBlToTr w="12700" cmpd="sng">
-                      <a:noFill/>
-                      <a:prstDash val="solid"/>
-                    </a:lnBlToTr>
-                  </a:tcPr>
-                </a:tc>
-                <a:tc>
-                  <a:txBody>
-                    <a:bodyPr/>
-                    <a:lstStyle/>
-                    <a:p>
-                      <a:pPr algn="ctr" rtl="0"/>
-                      <a:r>
-                        <a:rPr lang="ru-RU" sz="1400" b="0" cap="none" spc="0" noProof="0">
-                          <a:solidFill>
-                            <a:schemeClr val="tx1">
-                              <a:lumMod val="75000"/>
-                              <a:lumOff val="25000"/>
-                            </a:schemeClr>
-                          </a:solidFill>
-                        </a:rPr>
-                        <a:t>Lorem ipsum</a:t>
-                      </a:r>
-                      <a:endParaRPr lang="ru-RU" sz="1400" b="0" noProof="0">
-                        <a:solidFill>
-                          <a:schemeClr val="tx1">
-                            <a:lumMod val="75000"/>
-                            <a:lumOff val="25000"/>
-                          </a:schemeClr>
-                        </a:solidFill>
-                      </a:endParaRPr>
-                    </a:p>
-                  </a:txBody>
-                  <a:tcPr marT="91440" marB="91440" anchor="ctr">
-                    <a:lnL>
-                      <a:noFill/>
-                    </a:lnL>
-                    <a:lnR>
-                      <a:noFill/>
-                    </a:lnR>
-                    <a:lnT>
-                      <a:noFill/>
-                    </a:lnT>
-                    <a:lnB>
-                      <a:noFill/>
-                    </a:lnB>
-                    <a:lnTlToBr w="12700" cmpd="sng">
-                      <a:noFill/>
-                      <a:prstDash val="solid"/>
-                    </a:lnTlToBr>
-                    <a:lnBlToTr w="12700" cmpd="sng">
-                      <a:noFill/>
-                      <a:prstDash val="solid"/>
-                    </a:lnBlToTr>
-                  </a:tcPr>
-                </a:tc>
-                <a:extLst>
-                  <a:ext uri="{0D108BD9-81ED-4DB2-BD59-A6C34878D82A}">
-                    <a16:rowId xmlns:a16="http://schemas.microsoft.com/office/drawing/2014/main" val="1547803828"/>
-                  </a:ext>
-                </a:extLst>
-              </a:tr>
-              <a:tr h="1484252">
-                <a:tc>
-                  <a:txBody>
-                    <a:bodyPr/>
-                    <a:lstStyle/>
-                    <a:p>
-                      <a:pPr algn="ctr" rtl="0"/>
-                      <a:r>
-                        <a:rPr lang="ru-RU" sz="1400" b="0" cap="none" spc="0" noProof="0">
-                          <a:solidFill>
-                            <a:schemeClr val="tx1">
-                              <a:lumMod val="75000"/>
-                              <a:lumOff val="25000"/>
-                            </a:schemeClr>
-                          </a:solidFill>
-                        </a:rPr>
-                        <a:t>Lorem ipsum</a:t>
-                      </a:r>
-                      <a:endParaRPr lang="ru-RU" sz="1400" b="0" noProof="0">
-                        <a:solidFill>
-                          <a:schemeClr val="tx1">
-                            <a:lumMod val="75000"/>
-                            <a:lumOff val="25000"/>
-                          </a:schemeClr>
-                        </a:solidFill>
-                      </a:endParaRPr>
-                    </a:p>
-                  </a:txBody>
-                  <a:tcPr marT="91440" marB="91440" anchor="ctr">
-                    <a:lnL>
-                      <a:noFill/>
-                    </a:lnL>
-                    <a:lnR>
-                      <a:noFill/>
-                    </a:lnR>
-                    <a:lnT>
-                      <a:noFill/>
-                    </a:lnT>
-                    <a:lnB w="12700" cmpd="sng">
-                      <a:noFill/>
-                    </a:lnB>
-                    <a:lnTlToBr w="12700" cmpd="sng">
-                      <a:noFill/>
-                      <a:prstDash val="solid"/>
-                    </a:lnTlToBr>
-                    <a:lnBlToTr w="12700" cmpd="sng">
-                      <a:noFill/>
-                      <a:prstDash val="solid"/>
-                    </a:lnBlToTr>
-                    <a:solidFill>
-                      <a:schemeClr val="tx2">
-                        <a:lumMod val="20000"/>
-                        <a:lumOff val="80000"/>
-                        <a:alpha val="20000"/>
-                      </a:schemeClr>
-                    </a:solidFill>
-                  </a:tcPr>
-                </a:tc>
-                <a:tc>
-                  <a:txBody>
-                    <a:bodyPr/>
-                    <a:lstStyle/>
-                    <a:p>
-                      <a:pPr algn="ctr" rtl="0"/>
-                      <a:r>
-                        <a:rPr lang="ru-RU" sz="1400" b="0" cap="none" spc="0" noProof="0">
-                          <a:solidFill>
-                            <a:schemeClr val="tx1">
-                              <a:lumMod val="75000"/>
-                              <a:lumOff val="25000"/>
-                            </a:schemeClr>
-                          </a:solidFill>
-                        </a:rPr>
-                        <a:t>Lorem ipsum</a:t>
-                      </a:r>
-                      <a:endParaRPr lang="ru-RU" sz="1400" b="0" noProof="0">
-                        <a:solidFill>
-                          <a:schemeClr val="tx1">
-                            <a:lumMod val="75000"/>
-                            <a:lumOff val="25000"/>
-                          </a:schemeClr>
-                        </a:solidFill>
-                      </a:endParaRPr>
-                    </a:p>
-                  </a:txBody>
-                  <a:tcPr marT="91440" marB="91440" anchor="ctr">
-                    <a:lnL>
-                      <a:noFill/>
-                    </a:lnL>
-                    <a:lnR>
-                      <a:noFill/>
-                    </a:lnR>
-                    <a:lnT>
-                      <a:noFill/>
-                    </a:lnT>
-                    <a:lnB w="12700" cmpd="sng">
-                      <a:noFill/>
-                    </a:lnB>
-                    <a:lnTlToBr w="12700" cmpd="sng">
-                      <a:noFill/>
-                      <a:prstDash val="solid"/>
-                    </a:lnTlToBr>
-                    <a:lnBlToTr w="12700" cmpd="sng">
-                      <a:noFill/>
-                      <a:prstDash val="solid"/>
-                    </a:lnBlToTr>
-                    <a:solidFill>
-                      <a:schemeClr val="tx2">
-                        <a:lumMod val="20000"/>
-                        <a:lumOff val="80000"/>
-                        <a:alpha val="20000"/>
-                      </a:schemeClr>
-                    </a:solidFill>
-                  </a:tcPr>
-                </a:tc>
-                <a:tc>
-                  <a:txBody>
-                    <a:bodyPr/>
-                    <a:lstStyle/>
-                    <a:p>
-                      <a:pPr algn="ctr" rtl="0"/>
-                      <a:r>
-                        <a:rPr lang="ru-RU" sz="1400" b="0" cap="none" spc="0" noProof="0">
-                          <a:solidFill>
-                            <a:schemeClr val="tx1">
-                              <a:lumMod val="75000"/>
-                              <a:lumOff val="25000"/>
-                            </a:schemeClr>
-                          </a:solidFill>
-                        </a:rPr>
-                        <a:t>Lorem ipsum</a:t>
-                      </a:r>
-                      <a:endParaRPr lang="ru-RU" sz="1400" b="0" noProof="0">
-                        <a:solidFill>
-                          <a:schemeClr val="tx1">
-                            <a:lumMod val="75000"/>
-                            <a:lumOff val="25000"/>
-                          </a:schemeClr>
-                        </a:solidFill>
-                      </a:endParaRPr>
-                    </a:p>
-                  </a:txBody>
-                  <a:tcPr marT="91440" marB="91440" anchor="ctr">
-                    <a:lnL>
-                      <a:noFill/>
-                    </a:lnL>
-                    <a:lnR>
-                      <a:noFill/>
-                    </a:lnR>
-                    <a:lnT>
-                      <a:noFill/>
-                    </a:lnT>
-                    <a:lnB w="12700" cmpd="sng">
-                      <a:noFill/>
-                    </a:lnB>
-                    <a:lnTlToBr w="12700" cmpd="sng">
-                      <a:noFill/>
-                      <a:prstDash val="solid"/>
-                    </a:lnTlToBr>
-                    <a:lnBlToTr w="12700" cmpd="sng">
-                      <a:noFill/>
-                      <a:prstDash val="solid"/>
-                    </a:lnBlToTr>
-                    <a:solidFill>
-                      <a:schemeClr val="tx2">
-                        <a:lumMod val="20000"/>
-                        <a:lumOff val="80000"/>
-                        <a:alpha val="20000"/>
-                      </a:schemeClr>
-                    </a:solidFill>
-                  </a:tcPr>
-                </a:tc>
-                <a:tc>
-                  <a:txBody>
-                    <a:bodyPr/>
-                    <a:lstStyle/>
-                    <a:p>
-                      <a:pPr algn="ctr" rtl="0"/>
-                      <a:r>
-                        <a:rPr lang="ru-RU" sz="1400" b="0" cap="none" spc="0" noProof="0" dirty="0" err="1">
-                          <a:solidFill>
-                            <a:schemeClr val="tx1">
-                              <a:lumMod val="75000"/>
-                              <a:lumOff val="25000"/>
-                            </a:schemeClr>
-                          </a:solidFill>
-                        </a:rPr>
-                        <a:t>Lorem</a:t>
-                      </a:r>
-                      <a:r>
-                        <a:rPr lang="ru-RU" sz="1400" b="0" cap="none" spc="0" noProof="0" dirty="0">
-                          <a:solidFill>
-                            <a:schemeClr val="tx1">
-                              <a:lumMod val="75000"/>
-                              <a:lumOff val="25000"/>
-                            </a:schemeClr>
-                          </a:solidFill>
-                        </a:rPr>
-                        <a:t> </a:t>
-                      </a:r>
-                      <a:r>
-                        <a:rPr lang="ru-RU" sz="1400" b="0" cap="none" spc="0" noProof="0" dirty="0" err="1">
-                          <a:solidFill>
-                            <a:schemeClr val="tx1">
-                              <a:lumMod val="75000"/>
-                              <a:lumOff val="25000"/>
-                            </a:schemeClr>
-                          </a:solidFill>
-                        </a:rPr>
-                        <a:t>ipsum</a:t>
-                      </a:r>
-                      <a:endParaRPr lang="ru-RU" sz="1400" b="0" noProof="0" dirty="0">
-                        <a:solidFill>
-                          <a:schemeClr val="tx1">
-                            <a:lumMod val="75000"/>
-                            <a:lumOff val="25000"/>
-                          </a:schemeClr>
-                        </a:solidFill>
-                      </a:endParaRPr>
-                    </a:p>
-                  </a:txBody>
-                  <a:tcPr marT="91440" marB="91440" anchor="ctr">
-                    <a:lnL>
-                      <a:noFill/>
-                    </a:lnL>
-                    <a:lnR>
-                      <a:noFill/>
-                    </a:lnR>
-                    <a:lnT>
-                      <a:noFill/>
-                    </a:lnT>
-                    <a:lnB w="12700" cmpd="sng">
-                      <a:noFill/>
-                    </a:lnB>
-                    <a:lnTlToBr w="12700" cmpd="sng">
-                      <a:noFill/>
-                      <a:prstDash val="solid"/>
-                    </a:lnTlToBr>
-                    <a:lnBlToTr w="12700" cmpd="sng">
-                      <a:noFill/>
-                      <a:prstDash val="solid"/>
-                    </a:lnBlToTr>
-                    <a:solidFill>
-                      <a:schemeClr val="tx2">
-                        <a:lumMod val="20000"/>
-                        <a:lumOff val="80000"/>
-                        <a:alpha val="20000"/>
-                      </a:schemeClr>
-                    </a:solidFill>
-                  </a:tcPr>
-                </a:tc>
-                <a:extLst>
-                  <a:ext uri="{0D108BD9-81ED-4DB2-BD59-A6C34878D82A}">
-                    <a16:rowId xmlns:a16="http://schemas.microsoft.com/office/drawing/2014/main" val="2830089437"/>
-                  </a:ext>
-                </a:extLst>
-              </a:tr>
-            </a:tbl>
-          </a:graphicData>
-        </a:graphic>
-      </p:graphicFrame>
-      <p:sp>
-        <p:nvSpPr>
           <p:cNvPr id="2" name="Заголовок 1">
             <a:extLst>
               <a:ext uri="{FF2B5EF4-FFF2-40B4-BE49-F238E27FC236}">
@@ -12753,10 +10866,9 @@
           <a:p>
             <a:pPr rtl="0"/>
             <a:r>
-              <a:rPr lang="ru-RU" dirty="0" smtClean="0"/>
+              <a:rPr lang="ru-RU" dirty="0"/>
               <a:t>схема</a:t>
             </a:r>
-            <a:endParaRPr lang="ru-RU" dirty="0"/>
           </a:p>
         </p:txBody>
       </p:sp>
@@ -12982,7 +11094,7 @@
               <a:t>Photoshop</a:t>
             </a:r>
             <a:r>
-              <a:rPr lang="en-US" sz="3200" dirty="0" smtClean="0"/>
+              <a:rPr lang="en-US" sz="3200" dirty="0"/>
               <a:t> </a:t>
             </a:r>
             <a:r>
@@ -13067,7 +11179,7 @@
               <a:t>Paint</a:t>
             </a:r>
             <a:r>
-              <a:rPr lang="en-US" sz="3200" dirty="0" smtClean="0">
+              <a:rPr lang="en-US" sz="3200" dirty="0">
                 <a:latin typeface="Consolas" panose="020B0609020204030204" pitchFamily="49" charset="0"/>
               </a:rPr>
               <a:t> </a:t>
@@ -13086,7 +11198,7 @@
               <a:t>Tool</a:t>
             </a:r>
             <a:r>
-              <a:rPr lang="en-US" sz="3200" dirty="0" smtClean="0">
+              <a:rPr lang="en-US" sz="3200" dirty="0">
                 <a:latin typeface="Consolas" panose="020B0609020204030204" pitchFamily="49" charset="0"/>
               </a:rPr>
               <a:t> </a:t>
@@ -13204,37 +11316,6 @@
           <a:chExt cx="0" cy="0"/>
         </a:xfrm>
       </p:grpSpPr>
-      <p:graphicFrame>
-        <p:nvGraphicFramePr>
-          <p:cNvPr id="6" name="Объект 5" descr="график">
-            <a:extLst>
-              <a:ext uri="{FF2B5EF4-FFF2-40B4-BE49-F238E27FC236}">
-                <a16:creationId xmlns:a16="http://schemas.microsoft.com/office/drawing/2014/main" id="{65E7A877-E287-4279-8948-3113F61C429C}"/>
-              </a:ext>
-            </a:extLst>
-          </p:cNvPr>
-          <p:cNvGraphicFramePr>
-            <a:graphicFrameLocks noGrp="1"/>
-          </p:cNvGraphicFramePr>
-          <p:nvPr>
-            <p:ph idx="1"/>
-            <p:extLst>
-              <p:ext uri="{D42A27DB-BD31-4B8C-83A1-F6EECF244321}">
-                <p14:modId xmlns:p14="http://schemas.microsoft.com/office/powerpoint/2010/main" val="3462749955"/>
-              </p:ext>
-            </p:extLst>
-          </p:nvPr>
-        </p:nvGraphicFramePr>
-        <p:xfrm>
-          <a:off x="1096963" y="2108200"/>
-          <a:ext cx="10058400" cy="3760788"/>
-        </p:xfrm>
-        <a:graphic>
-          <a:graphicData uri="http://schemas.openxmlformats.org/drawingml/2006/chart">
-            <c:chart xmlns:c="http://schemas.openxmlformats.org/drawingml/2006/chart" xmlns:r="http://schemas.openxmlformats.org/officeDocument/2006/relationships" r:id="rId3"/>
-          </a:graphicData>
-        </a:graphic>
-      </p:graphicFrame>
       <p:sp>
         <p:nvSpPr>
           <p:cNvPr id="2" name="Заголовок 1">
@@ -13258,10 +11339,9 @@
           <a:p>
             <a:pPr rtl="0"/>
             <a:r>
-              <a:rPr lang="ru-RU" dirty="0" smtClean="0"/>
+              <a:rPr lang="ru-RU" dirty="0"/>
               <a:t>Работающая игра</a:t>
             </a:r>
-            <a:endParaRPr lang="ru-RU" dirty="0"/>
           </a:p>
         </p:txBody>
       </p:sp>
@@ -13623,7 +11703,7 @@
           <a:p>
             <a:pPr algn="ctr"/>
             <a:r>
-              <a:rPr lang="ru-RU" sz="1600" dirty="0" smtClean="0">
+              <a:rPr lang="ru-RU" sz="1600" dirty="0">
                 <a:latin typeface="+mj-lt"/>
                 <a:cs typeface="Times New Roman" panose="02020603050405020304" pitchFamily="18" charset="0"/>
               </a:rPr>
@@ -13633,7 +11713,7 @@
           <a:p>
             <a:pPr algn="ctr"/>
             <a:r>
-              <a:rPr lang="ru-RU" sz="1600" dirty="0" smtClean="0">
+              <a:rPr lang="ru-RU" sz="1600" dirty="0">
                 <a:latin typeface="+mj-lt"/>
                 <a:cs typeface="Times New Roman" panose="02020603050405020304" pitchFamily="18" charset="0"/>
               </a:rPr>
@@ -13643,16 +11723,12 @@
           <a:p>
             <a:pPr algn="ctr"/>
             <a:r>
-              <a:rPr lang="ru-RU" sz="1600" dirty="0" smtClean="0">
+              <a:rPr lang="ru-RU" sz="1600" dirty="0">
                 <a:latin typeface="+mj-lt"/>
                 <a:cs typeface="Times New Roman" panose="02020603050405020304" pitchFamily="18" charset="0"/>
               </a:rPr>
               <a:t>(Тимлид)</a:t>
             </a:r>
-            <a:endParaRPr lang="ru-RU" sz="1600" dirty="0">
-              <a:latin typeface="+mj-lt"/>
-              <a:cs typeface="Times New Roman" panose="02020603050405020304" pitchFamily="18" charset="0"/>
-            </a:endParaRPr>
           </a:p>
         </p:txBody>
       </p:sp>
@@ -13882,7 +11958,7 @@
           <a:p>
             <a:pPr algn="ctr"/>
             <a:r>
-              <a:rPr lang="ru-RU" sz="1600" dirty="0" smtClean="0">
+              <a:rPr lang="ru-RU" sz="1600" dirty="0">
                 <a:ln w="0"/>
                 <a:latin typeface="+mj-lt"/>
               </a:rPr>
@@ -13946,13 +12022,6 @@
   <p:clrMapOvr>
     <a:masterClrMapping/>
   </p:clrMapOvr>
-  <p:timing>
-    <p:tnLst>
-      <p:par>
-        <p:cTn id="1" dur="indefinite" restart="never" nodeType="tmRoot"/>
-      </p:par>
-    </p:tnLst>
-  </p:timing>
 </p:sld>
 </file>
 
@@ -14759,4 +12828,218 @@
     </a:ext>
   </a:extLst>
 </a:theme>
+</file>
+
+<file path=customXml/item1.xml><?xml version="1.0" encoding="utf-8"?>
+<p:properties xmlns:p="http://schemas.microsoft.com/office/2006/metadata/properties" xmlns:xsi="http://www.w3.org/2001/XMLSchema-instance" xmlns:pc="http://schemas.microsoft.com/office/infopath/2007/PartnerControls">
+  <documentManagement/>
+</p:properties>
+</file>
+
+<file path=customXml/item2.xml><?xml version="1.0" encoding="utf-8"?>
+<?mso-contentType ?>
+<FormTemplates xmlns="http://schemas.microsoft.com/sharepoint/v3/contenttype/forms">
+  <Display>DocumentLibraryForm</Display>
+  <Edit>DocumentLibraryForm</Edit>
+  <New>DocumentLibraryForm</New>
+</FormTemplates>
+</file>
+
+<file path=customXml/item3.xml><?xml version="1.0" encoding="utf-8"?>
+<ct:contentTypeSchema xmlns:ct="http://schemas.microsoft.com/office/2006/metadata/contentType" xmlns:ma="http://schemas.microsoft.com/office/2006/metadata/properties/metaAttributes" ct:_="" ma:_="" ma:contentTypeName="Документ" ma:contentTypeID="0x01010045BEE144D2FF06499D3CAE05154C00B6" ma:contentTypeVersion="7" ma:contentTypeDescription="Создание документа." ma:contentTypeScope="" ma:versionID="4b237bfaee2c717e7777179583bd3c7c">
+  <xsd:schema xmlns:xsd="http://www.w3.org/2001/XMLSchema" xmlns:xs="http://www.w3.org/2001/XMLSchema" xmlns:p="http://schemas.microsoft.com/office/2006/metadata/properties" xmlns:ns2="0464ebc7-874d-454c-b9fa-cc3bf73cfc79" targetNamespace="http://schemas.microsoft.com/office/2006/metadata/properties" ma:root="true" ma:fieldsID="4d041f3fd5c56b535648df1a81232bf4" ns2:_="">
+    <xsd:import namespace="0464ebc7-874d-454c-b9fa-cc3bf73cfc79"/>
+    <xsd:element name="properties">
+      <xsd:complexType>
+        <xsd:sequence>
+          <xsd:element name="documentManagement">
+            <xsd:complexType>
+              <xsd:all>
+                <xsd:element ref="ns2:MediaServiceMetadata" minOccurs="0"/>
+                <xsd:element ref="ns2:MediaServiceFastMetadata" minOccurs="0"/>
+                <xsd:element ref="ns2:MediaServiceAutoTags" minOccurs="0"/>
+                <xsd:element ref="ns2:MediaServiceOCR" minOccurs="0"/>
+                <xsd:element ref="ns2:MediaServiceGenerationTime" minOccurs="0"/>
+                <xsd:element ref="ns2:MediaServiceEventHashCode" minOccurs="0"/>
+                <xsd:element ref="ns2:MediaServiceDateTaken" minOccurs="0"/>
+              </xsd:all>
+            </xsd:complexType>
+          </xsd:element>
+        </xsd:sequence>
+      </xsd:complexType>
+    </xsd:element>
+  </xsd:schema>
+  <xsd:schema xmlns:xsd="http://www.w3.org/2001/XMLSchema" xmlns:xs="http://www.w3.org/2001/XMLSchema" xmlns:dms="http://schemas.microsoft.com/office/2006/documentManagement/types" xmlns:pc="http://schemas.microsoft.com/office/infopath/2007/PartnerControls" targetNamespace="0464ebc7-874d-454c-b9fa-cc3bf73cfc79" elementFormDefault="qualified">
+    <xsd:import namespace="http://schemas.microsoft.com/office/2006/documentManagement/types"/>
+    <xsd:import namespace="http://schemas.microsoft.com/office/infopath/2007/PartnerControls"/>
+    <xsd:element name="MediaServiceMetadata" ma:index="8" nillable="true" ma:displayName="MediaServiceMetadata" ma:hidden="true" ma:internalName="MediaServiceMetadata" ma:readOnly="true">
+      <xsd:simpleType>
+        <xsd:restriction base="dms:Note"/>
+      </xsd:simpleType>
+    </xsd:element>
+    <xsd:element name="MediaServiceFastMetadata" ma:index="9" nillable="true" ma:displayName="MediaServiceFastMetadata" ma:hidden="true" ma:internalName="MediaServiceFastMetadata" ma:readOnly="true">
+      <xsd:simpleType>
+        <xsd:restriction base="dms:Note"/>
+      </xsd:simpleType>
+    </xsd:element>
+    <xsd:element name="MediaServiceAutoTags" ma:index="10" nillable="true" ma:displayName="Tags" ma:internalName="MediaServiceAutoTags" ma:readOnly="true">
+      <xsd:simpleType>
+        <xsd:restriction base="dms:Text"/>
+      </xsd:simpleType>
+    </xsd:element>
+    <xsd:element name="MediaServiceOCR" ma:index="11" nillable="true" ma:displayName="Extracted Text" ma:internalName="MediaServiceOCR" ma:readOnly="true">
+      <xsd:simpleType>
+        <xsd:restriction base="dms:Note">
+          <xsd:maxLength value="255"/>
+        </xsd:restriction>
+      </xsd:simpleType>
+    </xsd:element>
+    <xsd:element name="MediaServiceGenerationTime" ma:index="12" nillable="true" ma:displayName="MediaServiceGenerationTime" ma:hidden="true" ma:internalName="MediaServiceGenerationTime" ma:readOnly="true">
+      <xsd:simpleType>
+        <xsd:restriction base="dms:Text"/>
+      </xsd:simpleType>
+    </xsd:element>
+    <xsd:element name="MediaServiceEventHashCode" ma:index="13" nillable="true" ma:displayName="MediaServiceEventHashCode" ma:hidden="true" ma:internalName="MediaServiceEventHashCode" ma:readOnly="true">
+      <xsd:simpleType>
+        <xsd:restriction base="dms:Text"/>
+      </xsd:simpleType>
+    </xsd:element>
+    <xsd:element name="MediaServiceDateTaken" ma:index="14" nillable="true" ma:displayName="MediaServiceDateTaken" ma:hidden="true" ma:internalName="MediaServiceDateTaken" ma:readOnly="true">
+      <xsd:simpleType>
+        <xsd:restriction base="dms:Text"/>
+      </xsd:simpleType>
+    </xsd:element>
+  </xsd:schema>
+  <xsd:schema xmlns="http://schemas.openxmlformats.org/package/2006/metadata/core-properties" xmlns:xsd="http://www.w3.org/2001/XMLSchema" xmlns:xsi="http://www.w3.org/2001/XMLSchema-instance" xmlns:dc="http://purl.org/dc/elements/1.1/" xmlns:dcterms="http://purl.org/dc/terms/" xmlns:odoc="http://schemas.microsoft.com/internal/obd" targetNamespace="http://schemas.openxmlformats.org/package/2006/metadata/core-properties" elementFormDefault="qualified" attributeFormDefault="unqualified" blockDefault="#all">
+    <xsd:import namespace="http://purl.org/dc/elements/1.1/" schemaLocation="http://dublincore.org/schemas/xmls/qdc/2003/04/02/dc.xsd"/>
+    <xsd:import namespace="http://purl.org/dc/terms/" schemaLocation="http://dublincore.org/schemas/xmls/qdc/2003/04/02/dcterms.xsd"/>
+    <xsd:element name="coreProperties" type="CT_coreProperties"/>
+    <xsd:complexType name="CT_coreProperties">
+      <xsd:all>
+        <xsd:element ref="dc:creator" minOccurs="0" maxOccurs="1"/>
+        <xsd:element ref="dcterms:created" minOccurs="0" maxOccurs="1"/>
+        <xsd:element ref="dc:identifier" minOccurs="0" maxOccurs="1"/>
+        <xsd:element name="contentType" minOccurs="0" maxOccurs="1" type="xsd:string" ma:index="0" ma:displayName="Тип контента"/>
+        <xsd:element ref="dc:title" minOccurs="0" maxOccurs="1" ma:index="4" ma:displayName="Название"/>
+        <xsd:element ref="dc:subject" minOccurs="0" maxOccurs="1"/>
+        <xsd:element ref="dc:description" minOccurs="0" maxOccurs="1"/>
+        <xsd:element name="keywords" minOccurs="0" maxOccurs="1" type="xsd:string"/>
+        <xsd:element ref="dc:language" minOccurs="0" maxOccurs="1"/>
+        <xsd:element name="category" minOccurs="0" maxOccurs="1" type="xsd:string"/>
+        <xsd:element name="version" minOccurs="0" maxOccurs="1" type="xsd:string"/>
+        <xsd:element name="revision" minOccurs="0" maxOccurs="1" type="xsd:string">
+          <xsd:annotation>
+            <xsd:documentation>
+                        This value indicates the number of saves or revisions. The application is responsible for updating this value after each revision.
+                    </xsd:documentation>
+          </xsd:annotation>
+        </xsd:element>
+        <xsd:element name="lastModifiedBy" minOccurs="0" maxOccurs="1" type="xsd:string"/>
+        <xsd:element ref="dcterms:modified" minOccurs="0" maxOccurs="1"/>
+        <xsd:element name="contentStatus" minOccurs="0" maxOccurs="1" type="xsd:string"/>
+      </xsd:all>
+    </xsd:complexType>
+  </xsd:schema>
+  <xs:schema xmlns:pc="http://schemas.microsoft.com/office/infopath/2007/PartnerControls" xmlns:xs="http://www.w3.org/2001/XMLSchema" targetNamespace="http://schemas.microsoft.com/office/infopath/2007/PartnerControls" elementFormDefault="qualified" attributeFormDefault="unqualified">
+    <xs:element name="Person">
+      <xs:complexType>
+        <xs:sequence>
+          <xs:element ref="pc:DisplayName" minOccurs="0"/>
+          <xs:element ref="pc:AccountId" minOccurs="0"/>
+          <xs:element ref="pc:AccountType" minOccurs="0"/>
+        </xs:sequence>
+      </xs:complexType>
+    </xs:element>
+    <xs:element name="DisplayName" type="xs:string"/>
+    <xs:element name="AccountId" type="xs:string"/>
+    <xs:element name="AccountType" type="xs:string"/>
+    <xs:element name="BDCAssociatedEntity">
+      <xs:complexType>
+        <xs:sequence>
+          <xs:element ref="pc:BDCEntity" minOccurs="0" maxOccurs="unbounded"/>
+        </xs:sequence>
+        <xs:attribute ref="pc:EntityNamespace"/>
+        <xs:attribute ref="pc:EntityName"/>
+        <xs:attribute ref="pc:SystemInstanceName"/>
+        <xs:attribute ref="pc:AssociationName"/>
+      </xs:complexType>
+    </xs:element>
+    <xs:attribute name="EntityNamespace" type="xs:string"/>
+    <xs:attribute name="EntityName" type="xs:string"/>
+    <xs:attribute name="SystemInstanceName" type="xs:string"/>
+    <xs:attribute name="AssociationName" type="xs:string"/>
+    <xs:element name="BDCEntity">
+      <xs:complexType>
+        <xs:sequence>
+          <xs:element ref="pc:EntityDisplayName" minOccurs="0"/>
+          <xs:element ref="pc:EntityInstanceReference" minOccurs="0"/>
+          <xs:element ref="pc:EntityId1" minOccurs="0"/>
+          <xs:element ref="pc:EntityId2" minOccurs="0"/>
+          <xs:element ref="pc:EntityId3" minOccurs="0"/>
+          <xs:element ref="pc:EntityId4" minOccurs="0"/>
+          <xs:element ref="pc:EntityId5" minOccurs="0"/>
+        </xs:sequence>
+      </xs:complexType>
+    </xs:element>
+    <xs:element name="EntityDisplayName" type="xs:string"/>
+    <xs:element name="EntityInstanceReference" type="xs:string"/>
+    <xs:element name="EntityId1" type="xs:string"/>
+    <xs:element name="EntityId2" type="xs:string"/>
+    <xs:element name="EntityId3" type="xs:string"/>
+    <xs:element name="EntityId4" type="xs:string"/>
+    <xs:element name="EntityId5" type="xs:string"/>
+    <xs:element name="Terms">
+      <xs:complexType>
+        <xs:sequence>
+          <xs:element ref="pc:TermInfo" minOccurs="0" maxOccurs="unbounded"/>
+        </xs:sequence>
+      </xs:complexType>
+    </xs:element>
+    <xs:element name="TermInfo">
+      <xs:complexType>
+        <xs:sequence>
+          <xs:element ref="pc:TermName" minOccurs="0"/>
+          <xs:element ref="pc:TermId" minOccurs="0"/>
+        </xs:sequence>
+      </xs:complexType>
+    </xs:element>
+    <xs:element name="TermName" type="xs:string"/>
+    <xs:element name="TermId" type="xs:string"/>
+  </xs:schema>
+</ct:contentTypeSchema>
+</file>
+
+<file path=customXml/itemProps1.xml><?xml version="1.0" encoding="utf-8"?>
+<ds:datastoreItem xmlns:ds="http://schemas.openxmlformats.org/officeDocument/2006/customXml" ds:itemID="{F653FE64-C06B-4DA3-9810-710BC30104C8}">
+  <ds:schemaRefs>
+    <ds:schemaRef ds:uri="http://schemas.microsoft.com/office/2006/metadata/properties"/>
+    <ds:schemaRef ds:uri="http://schemas.microsoft.com/office/infopath/2007/PartnerControls"/>
+  </ds:schemaRefs>
+</ds:datastoreItem>
+</file>
+
+<file path=customXml/itemProps2.xml><?xml version="1.0" encoding="utf-8"?>
+<ds:datastoreItem xmlns:ds="http://schemas.openxmlformats.org/officeDocument/2006/customXml" ds:itemID="{22BC3052-C6CA-4E7C-99EE-E1A22B932FA0}">
+  <ds:schemaRefs>
+    <ds:schemaRef ds:uri="http://schemas.microsoft.com/sharepoint/v3/contenttype/forms"/>
+  </ds:schemaRefs>
+</ds:datastoreItem>
+</file>
+
+<file path=customXml/itemProps3.xml><?xml version="1.0" encoding="utf-8"?>
+<ds:datastoreItem xmlns:ds="http://schemas.openxmlformats.org/officeDocument/2006/customXml" ds:itemID="{5259CDC8-7C83-411C-89C7-EF16690980C4}">
+  <ds:schemaRefs>
+    <ds:schemaRef ds:uri="http://schemas.microsoft.com/office/2006/metadata/contentType"/>
+    <ds:schemaRef ds:uri="http://schemas.microsoft.com/office/2006/metadata/properties/metaAttributes"/>
+    <ds:schemaRef ds:uri="http://www.w3.org/2001/XMLSchema"/>
+    <ds:schemaRef ds:uri="http://schemas.microsoft.com/office/2006/metadata/properties"/>
+    <ds:schemaRef ds:uri="0464ebc7-874d-454c-b9fa-cc3bf73cfc79"/>
+    <ds:schemaRef ds:uri="http://schemas.microsoft.com/office/2006/documentManagement/types"/>
+    <ds:schemaRef ds:uri="http://schemas.microsoft.com/office/infopath/2007/PartnerControls"/>
+    <ds:schemaRef ds:uri="http://schemas.openxmlformats.org/package/2006/metadata/core-properties"/>
+    <ds:schemaRef ds:uri="http://purl.org/dc/elements/1.1/"/>
+    <ds:schemaRef ds:uri="http://purl.org/dc/terms/"/>
+    <ds:schemaRef ds:uri="http://schemas.microsoft.com/internal/obd"/>
+  </ds:schemaRefs>
+</ds:datastoreItem>
 </file>